--- a/_book/plot/unnamed-chunk-62-1.pptx
+++ b/_book/plot/unnamed-chunk-62-1.pptx
@@ -3151,316 +3151,20 @@
         </p:sp>
         <p:sp>
           <p:nvSpPr>
-            <p:cNvPr id="4" name="pg4"/>
+            <p:cNvPr id="4" name="rc4"/>
             <p:cNvSpPr/>
             <p:nvPr/>
           </p:nvSpPr>
           <p:spPr>
             <a:xfrm>
-              <a:off x="4960418" y="1973107"/>
-              <a:ext cx="1757888" cy="1808317"/>
+              <a:off x="1691481" y="1521028"/>
+              <a:ext cx="7315199" cy="4520793"/>
             </a:xfrm>
-            <a:custGeom>
+            <a:prstGeom prst="rect">
               <a:avLst/>
-              <a:pathLst>
-                <a:path w="1757888" h="1808317">
-                  <a:moveTo>
-                    <a:pt x="0" y="1808317"/>
-                  </a:moveTo>
-                  <a:lnTo>
-                    <a:pt x="60616" y="1793694"/>
-                  </a:lnTo>
-                  <a:lnTo>
-                    <a:pt x="121233" y="1779070"/>
-                  </a:lnTo>
-                  <a:lnTo>
-                    <a:pt x="181850" y="1764447"/>
-                  </a:lnTo>
-                  <a:lnTo>
-                    <a:pt x="242467" y="1749824"/>
-                  </a:lnTo>
-                  <a:lnTo>
-                    <a:pt x="303084" y="1735200"/>
-                  </a:lnTo>
-                  <a:lnTo>
-                    <a:pt x="363700" y="1720577"/>
-                  </a:lnTo>
-                  <a:lnTo>
-                    <a:pt x="424317" y="1705953"/>
-                  </a:lnTo>
-                  <a:lnTo>
-                    <a:pt x="484934" y="1691330"/>
-                  </a:lnTo>
-                  <a:lnTo>
-                    <a:pt x="545551" y="1676707"/>
-                  </a:lnTo>
-                  <a:lnTo>
-                    <a:pt x="606168" y="1662083"/>
-                  </a:lnTo>
-                  <a:lnTo>
-                    <a:pt x="666785" y="1647460"/>
-                  </a:lnTo>
-                  <a:lnTo>
-                    <a:pt x="727401" y="1632837"/>
-                  </a:lnTo>
-                  <a:lnTo>
-                    <a:pt x="788018" y="1618213"/>
-                  </a:lnTo>
-                  <a:lnTo>
-                    <a:pt x="848635" y="1603590"/>
-                  </a:lnTo>
-                  <a:lnTo>
-                    <a:pt x="909252" y="1588967"/>
-                  </a:lnTo>
-                  <a:lnTo>
-                    <a:pt x="969869" y="1574343"/>
-                  </a:lnTo>
-                  <a:lnTo>
-                    <a:pt x="1030486" y="1559720"/>
-                  </a:lnTo>
-                  <a:lnTo>
-                    <a:pt x="1091102" y="1545097"/>
-                  </a:lnTo>
-                  <a:lnTo>
-                    <a:pt x="1151719" y="1530473"/>
-                  </a:lnTo>
-                  <a:lnTo>
-                    <a:pt x="1212336" y="1515850"/>
-                  </a:lnTo>
-                  <a:lnTo>
-                    <a:pt x="1272953" y="1501227"/>
-                  </a:lnTo>
-                  <a:lnTo>
-                    <a:pt x="1333570" y="1486603"/>
-                  </a:lnTo>
-                  <a:lnTo>
-                    <a:pt x="1394187" y="1471980"/>
-                  </a:lnTo>
-                  <a:lnTo>
-                    <a:pt x="1454803" y="1457356"/>
-                  </a:lnTo>
-                  <a:lnTo>
-                    <a:pt x="1515420" y="1442733"/>
-                  </a:lnTo>
-                  <a:lnTo>
-                    <a:pt x="1576037" y="1428110"/>
-                  </a:lnTo>
-                  <a:lnTo>
-                    <a:pt x="1636654" y="1413486"/>
-                  </a:lnTo>
-                  <a:lnTo>
-                    <a:pt x="1697271" y="1398863"/>
-                  </a:lnTo>
-                  <a:lnTo>
-                    <a:pt x="1757888" y="1384240"/>
-                  </a:lnTo>
-                  <a:lnTo>
-                    <a:pt x="1742356" y="1324367"/>
-                  </a:lnTo>
-                  <a:lnTo>
-                    <a:pt x="1724785" y="1265061"/>
-                  </a:lnTo>
-                  <a:lnTo>
-                    <a:pt x="1705196" y="1206390"/>
-                  </a:lnTo>
-                  <a:lnTo>
-                    <a:pt x="1683613" y="1148424"/>
-                  </a:lnTo>
-                  <a:lnTo>
-                    <a:pt x="1660059" y="1091230"/>
-                  </a:lnTo>
-                  <a:lnTo>
-                    <a:pt x="1634563" y="1034875"/>
-                  </a:lnTo>
-                  <a:lnTo>
-                    <a:pt x="1607155" y="979424"/>
-                  </a:lnTo>
-                  <a:lnTo>
-                    <a:pt x="1577866" y="924944"/>
-                  </a:lnTo>
-                  <a:lnTo>
-                    <a:pt x="1546732" y="871497"/>
-                  </a:lnTo>
-                  <a:lnTo>
-                    <a:pt x="1513787" y="819146"/>
-                  </a:lnTo>
-                  <a:lnTo>
-                    <a:pt x="1479071" y="767952"/>
-                  </a:lnTo>
-                  <a:lnTo>
-                    <a:pt x="1442625" y="717976"/>
-                  </a:lnTo>
-                  <a:lnTo>
-                    <a:pt x="1404491" y="669276"/>
-                  </a:lnTo>
-                  <a:lnTo>
-                    <a:pt x="1364714" y="621908"/>
-                  </a:lnTo>
-                  <a:lnTo>
-                    <a:pt x="1323340" y="575928"/>
-                  </a:lnTo>
-                  <a:lnTo>
-                    <a:pt x="1280417" y="531390"/>
-                  </a:lnTo>
-                  <a:lnTo>
-                    <a:pt x="1235997" y="488346"/>
-                  </a:lnTo>
-                  <a:lnTo>
-                    <a:pt x="1190130" y="446847"/>
-                  </a:lnTo>
-                  <a:lnTo>
-                    <a:pt x="1142871" y="406940"/>
-                  </a:lnTo>
-                  <a:lnTo>
-                    <a:pt x="1094275" y="368673"/>
-                  </a:lnTo>
-                  <a:lnTo>
-                    <a:pt x="1044398" y="332091"/>
-                  </a:lnTo>
-                  <a:lnTo>
-                    <a:pt x="993300" y="297236"/>
-                  </a:lnTo>
-                  <a:lnTo>
-                    <a:pt x="941039" y="264148"/>
-                  </a:lnTo>
-                  <a:lnTo>
-                    <a:pt x="887677" y="232868"/>
-                  </a:lnTo>
-                  <a:lnTo>
-                    <a:pt x="833277" y="203430"/>
-                  </a:lnTo>
-                  <a:lnTo>
-                    <a:pt x="777902" y="175871"/>
-                  </a:lnTo>
-                  <a:lnTo>
-                    <a:pt x="721616" y="150221"/>
-                  </a:lnTo>
-                  <a:lnTo>
-                    <a:pt x="664487" y="126512"/>
-                  </a:lnTo>
-                  <a:lnTo>
-                    <a:pt x="606579" y="104770"/>
-                  </a:lnTo>
-                  <a:lnTo>
-                    <a:pt x="547962" y="85021"/>
-                  </a:lnTo>
-                  <a:lnTo>
-                    <a:pt x="488704" y="67289"/>
-                  </a:lnTo>
-                  <a:lnTo>
-                    <a:pt x="428875" y="51593"/>
-                  </a:lnTo>
-                  <a:lnTo>
-                    <a:pt x="368543" y="37953"/>
-                  </a:lnTo>
-                  <a:lnTo>
-                    <a:pt x="307780" y="26385"/>
-                  </a:lnTo>
-                  <a:lnTo>
-                    <a:pt x="246657" y="16901"/>
-                  </a:lnTo>
-                  <a:lnTo>
-                    <a:pt x="185246" y="9513"/>
-                  </a:lnTo>
-                  <a:lnTo>
-                    <a:pt x="123618" y="4230"/>
-                  </a:lnTo>
-                  <a:lnTo>
-                    <a:pt x="61845" y="1057"/>
-                  </a:lnTo>
-                  <a:lnTo>
-                    <a:pt x="0" y="0"/>
-                  </a:lnTo>
-                  <a:lnTo>
-                    <a:pt x="0" y="62355"/>
-                  </a:lnTo>
-                  <a:lnTo>
-                    <a:pt x="0" y="124711"/>
-                  </a:lnTo>
-                  <a:lnTo>
-                    <a:pt x="0" y="187067"/>
-                  </a:lnTo>
-                  <a:lnTo>
-                    <a:pt x="0" y="249423"/>
-                  </a:lnTo>
-                  <a:lnTo>
-                    <a:pt x="0" y="311778"/>
-                  </a:lnTo>
-                  <a:lnTo>
-                    <a:pt x="0" y="374134"/>
-                  </a:lnTo>
-                  <a:lnTo>
-                    <a:pt x="0" y="436490"/>
-                  </a:lnTo>
-                  <a:lnTo>
-                    <a:pt x="0" y="498846"/>
-                  </a:lnTo>
-                  <a:lnTo>
-                    <a:pt x="0" y="561201"/>
-                  </a:lnTo>
-                  <a:lnTo>
-                    <a:pt x="0" y="623557"/>
-                  </a:lnTo>
-                  <a:lnTo>
-                    <a:pt x="0" y="685913"/>
-                  </a:lnTo>
-                  <a:lnTo>
-                    <a:pt x="0" y="748269"/>
-                  </a:lnTo>
-                  <a:lnTo>
-                    <a:pt x="0" y="810625"/>
-                  </a:lnTo>
-                  <a:lnTo>
-                    <a:pt x="0" y="872980"/>
-                  </a:lnTo>
-                  <a:lnTo>
-                    <a:pt x="0" y="935336"/>
-                  </a:lnTo>
-                  <a:lnTo>
-                    <a:pt x="0" y="997692"/>
-                  </a:lnTo>
-                  <a:lnTo>
-                    <a:pt x="0" y="1060048"/>
-                  </a:lnTo>
-                  <a:lnTo>
-                    <a:pt x="0" y="1122403"/>
-                  </a:lnTo>
-                  <a:lnTo>
-                    <a:pt x="0" y="1184759"/>
-                  </a:lnTo>
-                  <a:lnTo>
-                    <a:pt x="0" y="1247115"/>
-                  </a:lnTo>
-                  <a:lnTo>
-                    <a:pt x="0" y="1309471"/>
-                  </a:lnTo>
-                  <a:lnTo>
-                    <a:pt x="0" y="1371827"/>
-                  </a:lnTo>
-                  <a:lnTo>
-                    <a:pt x="0" y="1434182"/>
-                  </a:lnTo>
-                  <a:lnTo>
-                    <a:pt x="0" y="1496538"/>
-                  </a:lnTo>
-                  <a:lnTo>
-                    <a:pt x="0" y="1558894"/>
-                  </a:lnTo>
-                  <a:lnTo>
-                    <a:pt x="0" y="1621250"/>
-                  </a:lnTo>
-                  <a:lnTo>
-                    <a:pt x="0" y="1683605"/>
-                  </a:lnTo>
-                  <a:lnTo>
-                    <a:pt x="0" y="1745961"/>
-                  </a:lnTo>
-                  <a:close/>
-                </a:path>
-              </a:pathLst>
-            </a:custGeom>
+            </a:prstGeom>
             <a:solidFill>
-              <a:srgbClr val="C77CFF">
+              <a:srgbClr val="FFFFFF">
                 <a:alpha val="100000"/>
               </a:srgbClr>
             </a:solidFill>
@@ -3482,325 +3186,60 @@
         </p:sp>
         <p:sp>
           <p:nvSpPr>
-            <p:cNvPr id="5" name="pg5"/>
+            <p:cNvPr id="5" name="rc5"/>
             <p:cNvSpPr/>
             <p:nvPr/>
           </p:nvSpPr>
           <p:spPr>
             <a:xfrm>
-              <a:off x="4960418" y="3357347"/>
-              <a:ext cx="1808315" cy="2055151"/>
+              <a:off x="2023549" y="1590617"/>
+              <a:ext cx="6913543" cy="4048310"/>
+            </a:xfrm>
+            <a:prstGeom prst="rect">
+              <a:avLst/>
+            </a:prstGeom>
+            <a:solidFill>
+              <a:srgbClr val="FFFFFF">
+                <a:alpha val="100000"/>
+              </a:srgbClr>
+            </a:solidFill>
+          </p:spPr>
+          <p:txBody>
+            <a:bodyPr/>
+            <a:lstStyle/>
+            <a:p/>
+          </p:txBody>
+        </p:sp>
+        <p:sp>
+          <p:nvSpPr>
+            <p:cNvPr id="6" name="pl6"/>
+            <p:cNvSpPr/>
+            <p:nvPr/>
+          </p:nvSpPr>
+          <p:spPr>
+            <a:xfrm>
+              <a:off x="2848121" y="1590617"/>
+              <a:ext cx="0" cy="4048310"/>
             </a:xfrm>
             <a:custGeom>
               <a:avLst/>
               <a:pathLst>
-                <a:path w="1808315" h="2055151">
+                <a:path w="0" h="4048310">
                   <a:moveTo>
-                    <a:pt x="0" y="424077"/>
+                    <a:pt x="0" y="4048310"/>
                   </a:moveTo>
                   <a:lnTo>
-                    <a:pt x="26923" y="480321"/>
+                    <a:pt x="0" y="0"/>
                   </a:lnTo>
                   <a:lnTo>
-                    <a:pt x="53846" y="536565"/>
+                    <a:pt x="0" y="0"/>
                   </a:lnTo>
-                  <a:lnTo>
-                    <a:pt x="80769" y="592809"/>
-                  </a:lnTo>
-                  <a:lnTo>
-                    <a:pt x="107692" y="649053"/>
-                  </a:lnTo>
-                  <a:lnTo>
-                    <a:pt x="134616" y="705296"/>
-                  </a:lnTo>
-                  <a:lnTo>
-                    <a:pt x="161539" y="761540"/>
-                  </a:lnTo>
-                  <a:lnTo>
-                    <a:pt x="188462" y="817784"/>
-                  </a:lnTo>
-                  <a:lnTo>
-                    <a:pt x="215385" y="874028"/>
-                  </a:lnTo>
-                  <a:lnTo>
-                    <a:pt x="242309" y="930272"/>
-                  </a:lnTo>
-                  <a:lnTo>
-                    <a:pt x="269232" y="986516"/>
-                  </a:lnTo>
-                  <a:lnTo>
-                    <a:pt x="296155" y="1042760"/>
-                  </a:lnTo>
-                  <a:lnTo>
-                    <a:pt x="323078" y="1099004"/>
-                  </a:lnTo>
-                  <a:lnTo>
-                    <a:pt x="350002" y="1155248"/>
-                  </a:lnTo>
-                  <a:lnTo>
-                    <a:pt x="376925" y="1211492"/>
-                  </a:lnTo>
-                  <a:lnTo>
-                    <a:pt x="403848" y="1267736"/>
-                  </a:lnTo>
-                  <a:lnTo>
-                    <a:pt x="430771" y="1323980"/>
-                  </a:lnTo>
-                  <a:lnTo>
-                    <a:pt x="457695" y="1380224"/>
-                  </a:lnTo>
-                  <a:lnTo>
-                    <a:pt x="484618" y="1436468"/>
-                  </a:lnTo>
-                  <a:lnTo>
-                    <a:pt x="511541" y="1492712"/>
-                  </a:lnTo>
-                  <a:lnTo>
-                    <a:pt x="538464" y="1548956"/>
-                  </a:lnTo>
-                  <a:lnTo>
-                    <a:pt x="565388" y="1605200"/>
-                  </a:lnTo>
-                  <a:lnTo>
-                    <a:pt x="592311" y="1661444"/>
-                  </a:lnTo>
-                  <a:lnTo>
-                    <a:pt x="619234" y="1717687"/>
-                  </a:lnTo>
-                  <a:lnTo>
-                    <a:pt x="646157" y="1773931"/>
-                  </a:lnTo>
-                  <a:lnTo>
-                    <a:pt x="673081" y="1830175"/>
-                  </a:lnTo>
-                  <a:lnTo>
-                    <a:pt x="700004" y="1886419"/>
-                  </a:lnTo>
-                  <a:lnTo>
-                    <a:pt x="726927" y="1942663"/>
-                  </a:lnTo>
-                  <a:lnTo>
-                    <a:pt x="753850" y="1998907"/>
-                  </a:lnTo>
-                  <a:lnTo>
-                    <a:pt x="780774" y="2055151"/>
-                  </a:lnTo>
-                  <a:lnTo>
-                    <a:pt x="835811" y="2027645"/>
-                  </a:lnTo>
-                  <a:lnTo>
-                    <a:pt x="889880" y="1998283"/>
-                  </a:lnTo>
-                  <a:lnTo>
-                    <a:pt x="942920" y="1967098"/>
-                  </a:lnTo>
-                  <a:lnTo>
-                    <a:pt x="994868" y="1934126"/>
-                  </a:lnTo>
-                  <a:lnTo>
-                    <a:pt x="1045664" y="1899407"/>
-                  </a:lnTo>
-                  <a:lnTo>
-                    <a:pt x="1095249" y="1862979"/>
-                  </a:lnTo>
-                  <a:lnTo>
-                    <a:pt x="1143567" y="1824886"/>
-                  </a:lnTo>
-                  <a:lnTo>
-                    <a:pt x="1190560" y="1785171"/>
-                  </a:lnTo>
-                  <a:lnTo>
-                    <a:pt x="1236176" y="1743880"/>
-                  </a:lnTo>
-                  <a:lnTo>
-                    <a:pt x="1280360" y="1701061"/>
-                  </a:lnTo>
-                  <a:lnTo>
-                    <a:pt x="1323062" y="1656764"/>
-                  </a:lnTo>
-                  <a:lnTo>
-                    <a:pt x="1364232" y="1611040"/>
-                  </a:lnTo>
-                  <a:lnTo>
-                    <a:pt x="1403823" y="1563942"/>
-                  </a:lnTo>
-                  <a:lnTo>
-                    <a:pt x="1441788" y="1515524"/>
-                  </a:lnTo>
-                  <a:lnTo>
-                    <a:pt x="1478085" y="1465842"/>
-                  </a:lnTo>
-                  <a:lnTo>
-                    <a:pt x="1512670" y="1414955"/>
-                  </a:lnTo>
-                  <a:lnTo>
-                    <a:pt x="1545504" y="1362920"/>
-                  </a:lnTo>
-                  <a:lnTo>
-                    <a:pt x="1576549" y="1309799"/>
-                  </a:lnTo>
-                  <a:lnTo>
-                    <a:pt x="1605769" y="1255652"/>
-                  </a:lnTo>
-                  <a:lnTo>
-                    <a:pt x="1633129" y="1200542"/>
-                  </a:lnTo>
-                  <a:lnTo>
-                    <a:pt x="1658600" y="1144534"/>
-                  </a:lnTo>
-                  <a:lnTo>
-                    <a:pt x="1682149" y="1087691"/>
-                  </a:lnTo>
-                  <a:lnTo>
-                    <a:pt x="1703752" y="1030080"/>
-                  </a:lnTo>
-                  <a:lnTo>
-                    <a:pt x="1723382" y="971768"/>
-                  </a:lnTo>
-                  <a:lnTo>
-                    <a:pt x="1741017" y="912821"/>
-                  </a:lnTo>
-                  <a:lnTo>
-                    <a:pt x="1756636" y="853309"/>
-                  </a:lnTo>
-                  <a:lnTo>
-                    <a:pt x="1770222" y="793299"/>
-                  </a:lnTo>
-                  <a:lnTo>
-                    <a:pt x="1781758" y="732863"/>
-                  </a:lnTo>
-                  <a:lnTo>
-                    <a:pt x="1791232" y="672068"/>
-                  </a:lnTo>
-                  <a:lnTo>
-                    <a:pt x="1798631" y="610987"/>
-                  </a:lnTo>
-                  <a:lnTo>
-                    <a:pt x="1803949" y="549689"/>
-                  </a:lnTo>
-                  <a:lnTo>
-                    <a:pt x="1807178" y="488246"/>
-                  </a:lnTo>
-                  <a:lnTo>
-                    <a:pt x="1808315" y="426729"/>
-                  </a:lnTo>
-                  <a:lnTo>
-                    <a:pt x="1807358" y="365208"/>
-                  </a:lnTo>
-                  <a:lnTo>
-                    <a:pt x="1804310" y="303756"/>
-                  </a:lnTo>
-                  <a:lnTo>
-                    <a:pt x="1799172" y="242443"/>
-                  </a:lnTo>
-                  <a:lnTo>
-                    <a:pt x="1791951" y="181340"/>
-                  </a:lnTo>
-                  <a:lnTo>
-                    <a:pt x="1782656" y="120519"/>
-                  </a:lnTo>
-                  <a:lnTo>
-                    <a:pt x="1771297" y="60048"/>
-                  </a:lnTo>
-                  <a:lnTo>
-                    <a:pt x="1757888" y="0"/>
-                  </a:lnTo>
-                  <a:lnTo>
-                    <a:pt x="1697271" y="14623"/>
-                  </a:lnTo>
-                  <a:lnTo>
-                    <a:pt x="1636654" y="29246"/>
-                  </a:lnTo>
-                  <a:lnTo>
-                    <a:pt x="1576037" y="43870"/>
-                  </a:lnTo>
-                  <a:lnTo>
-                    <a:pt x="1515420" y="58493"/>
-                  </a:lnTo>
-                  <a:lnTo>
-                    <a:pt x="1454803" y="73116"/>
-                  </a:lnTo>
-                  <a:lnTo>
-                    <a:pt x="1394187" y="87740"/>
-                  </a:lnTo>
-                  <a:lnTo>
-                    <a:pt x="1333570" y="102363"/>
-                  </a:lnTo>
-                  <a:lnTo>
-                    <a:pt x="1272953" y="116986"/>
-                  </a:lnTo>
-                  <a:lnTo>
-                    <a:pt x="1212336" y="131610"/>
-                  </a:lnTo>
-                  <a:lnTo>
-                    <a:pt x="1151719" y="146233"/>
-                  </a:lnTo>
-                  <a:lnTo>
-                    <a:pt x="1091102" y="160856"/>
-                  </a:lnTo>
-                  <a:lnTo>
-                    <a:pt x="1030486" y="175480"/>
-                  </a:lnTo>
-                  <a:lnTo>
-                    <a:pt x="969869" y="190103"/>
-                  </a:lnTo>
-                  <a:lnTo>
-                    <a:pt x="909252" y="204726"/>
-                  </a:lnTo>
-                  <a:lnTo>
-                    <a:pt x="848635" y="219350"/>
-                  </a:lnTo>
-                  <a:lnTo>
-                    <a:pt x="788018" y="233973"/>
-                  </a:lnTo>
-                  <a:lnTo>
-                    <a:pt x="727401" y="248597"/>
-                  </a:lnTo>
-                  <a:lnTo>
-                    <a:pt x="666785" y="263220"/>
-                  </a:lnTo>
-                  <a:lnTo>
-                    <a:pt x="606168" y="277843"/>
-                  </a:lnTo>
-                  <a:lnTo>
-                    <a:pt x="545551" y="292467"/>
-                  </a:lnTo>
-                  <a:lnTo>
-                    <a:pt x="484934" y="307090"/>
-                  </a:lnTo>
-                  <a:lnTo>
-                    <a:pt x="424317" y="321713"/>
-                  </a:lnTo>
-                  <a:lnTo>
-                    <a:pt x="363700" y="336337"/>
-                  </a:lnTo>
-                  <a:lnTo>
-                    <a:pt x="303084" y="350960"/>
-                  </a:lnTo>
-                  <a:lnTo>
-                    <a:pt x="242467" y="365583"/>
-                  </a:lnTo>
-                  <a:lnTo>
-                    <a:pt x="181850" y="380207"/>
-                  </a:lnTo>
-                  <a:lnTo>
-                    <a:pt x="121233" y="394830"/>
-                  </a:lnTo>
-                  <a:lnTo>
-                    <a:pt x="60616" y="409453"/>
-                  </a:lnTo>
-                  <a:close/>
                 </a:path>
               </a:pathLst>
             </a:custGeom>
-            <a:solidFill>
-              <a:srgbClr val="00BFC4">
-                <a:alpha val="100000"/>
-              </a:srgbClr>
-            </a:solidFill>
-            <a:ln w="13550" cap="rnd">
+            <a:ln w="3387" cap="flat">
               <a:solidFill>
-                <a:srgbClr val="FFFFFF">
+                <a:srgbClr val="DEDEDE">
                   <a:alpha val="100000"/>
                 </a:srgbClr>
               </a:solidFill>
@@ -3816,361 +3255,34 @@
         </p:sp>
         <p:sp>
           <p:nvSpPr>
-            <p:cNvPr id="6" name="pg6"/>
+            <p:cNvPr id="7" name="pl7"/>
             <p:cNvSpPr/>
             <p:nvPr/>
           </p:nvSpPr>
           <p:spPr>
             <a:xfrm>
-              <a:off x="3203279" y="3781425"/>
-              <a:ext cx="2537913" cy="1808314"/>
+              <a:off x="4497265" y="1590617"/>
+              <a:ext cx="0" cy="4048310"/>
             </a:xfrm>
             <a:custGeom>
               <a:avLst/>
               <a:pathLst>
-                <a:path w="2537913" h="1808314">
+                <a:path w="0" h="4048310">
                   <a:moveTo>
-                    <a:pt x="1757138" y="0"/>
+                    <a:pt x="0" y="4048310"/>
                   </a:moveTo>
                   <a:lnTo>
-                    <a:pt x="1696547" y="14730"/>
+                    <a:pt x="0" y="0"/>
                   </a:lnTo>
                   <a:lnTo>
-                    <a:pt x="1635956" y="29460"/>
+                    <a:pt x="0" y="0"/>
                   </a:lnTo>
-                  <a:lnTo>
-                    <a:pt x="1575365" y="44190"/>
-                  </a:lnTo>
-                  <a:lnTo>
-                    <a:pt x="1514774" y="58920"/>
-                  </a:lnTo>
-                  <a:lnTo>
-                    <a:pt x="1454183" y="73650"/>
-                  </a:lnTo>
-                  <a:lnTo>
-                    <a:pt x="1393592" y="88380"/>
-                  </a:lnTo>
-                  <a:lnTo>
-                    <a:pt x="1333001" y="103110"/>
-                  </a:lnTo>
-                  <a:lnTo>
-                    <a:pt x="1272410" y="117840"/>
-                  </a:lnTo>
-                  <a:lnTo>
-                    <a:pt x="1211819" y="132570"/>
-                  </a:lnTo>
-                  <a:lnTo>
-                    <a:pt x="1151228" y="147300"/>
-                  </a:lnTo>
-                  <a:lnTo>
-                    <a:pt x="1090637" y="162030"/>
-                  </a:lnTo>
-                  <a:lnTo>
-                    <a:pt x="1030046" y="176760"/>
-                  </a:lnTo>
-                  <a:lnTo>
-                    <a:pt x="969455" y="191490"/>
-                  </a:lnTo>
-                  <a:lnTo>
-                    <a:pt x="908864" y="206220"/>
-                  </a:lnTo>
-                  <a:lnTo>
-                    <a:pt x="848273" y="220950"/>
-                  </a:lnTo>
-                  <a:lnTo>
-                    <a:pt x="787682" y="235680"/>
-                  </a:lnTo>
-                  <a:lnTo>
-                    <a:pt x="727091" y="250410"/>
-                  </a:lnTo>
-                  <a:lnTo>
-                    <a:pt x="666500" y="265140"/>
-                  </a:lnTo>
-                  <a:lnTo>
-                    <a:pt x="605909" y="279870"/>
-                  </a:lnTo>
-                  <a:lnTo>
-                    <a:pt x="545318" y="294600"/>
-                  </a:lnTo>
-                  <a:lnTo>
-                    <a:pt x="484727" y="309330"/>
-                  </a:lnTo>
-                  <a:lnTo>
-                    <a:pt x="424136" y="324060"/>
-                  </a:lnTo>
-                  <a:lnTo>
-                    <a:pt x="363545" y="338790"/>
-                  </a:lnTo>
-                  <a:lnTo>
-                    <a:pt x="302954" y="353520"/>
-                  </a:lnTo>
-                  <a:lnTo>
-                    <a:pt x="242363" y="368250"/>
-                  </a:lnTo>
-                  <a:lnTo>
-                    <a:pt x="181772" y="382980"/>
-                  </a:lnTo>
-                  <a:lnTo>
-                    <a:pt x="121181" y="397710"/>
-                  </a:lnTo>
-                  <a:lnTo>
-                    <a:pt x="60590" y="412440"/>
-                  </a:lnTo>
-                  <a:lnTo>
-                    <a:pt x="0" y="427170"/>
-                  </a:lnTo>
-                  <a:lnTo>
-                    <a:pt x="15637" y="487015"/>
-                  </a:lnTo>
-                  <a:lnTo>
-                    <a:pt x="33312" y="546290"/>
-                  </a:lnTo>
-                  <a:lnTo>
-                    <a:pt x="53004" y="604926"/>
-                  </a:lnTo>
-                  <a:lnTo>
-                    <a:pt x="74689" y="662854"/>
-                  </a:lnTo>
-                  <a:lnTo>
-                    <a:pt x="98343" y="720007"/>
-                  </a:lnTo>
-                  <a:lnTo>
-                    <a:pt x="123938" y="776317"/>
-                  </a:lnTo>
-                  <a:lnTo>
-                    <a:pt x="151444" y="831719"/>
-                  </a:lnTo>
-                  <a:lnTo>
-                    <a:pt x="180829" y="886148"/>
-                  </a:lnTo>
-                  <a:lnTo>
-                    <a:pt x="212058" y="939540"/>
-                  </a:lnTo>
-                  <a:lnTo>
-                    <a:pt x="245094" y="991833"/>
-                  </a:lnTo>
-                  <a:lnTo>
-                    <a:pt x="279900" y="1042966"/>
-                  </a:lnTo>
-                  <a:lnTo>
-                    <a:pt x="316434" y="1092878"/>
-                  </a:lnTo>
-                  <a:lnTo>
-                    <a:pt x="354654" y="1141511"/>
-                  </a:lnTo>
-                  <a:lnTo>
-                    <a:pt x="394514" y="1188809"/>
-                  </a:lnTo>
-                  <a:lnTo>
-                    <a:pt x="435969" y="1234716"/>
-                  </a:lnTo>
-                  <a:lnTo>
-                    <a:pt x="478970" y="1279178"/>
-                  </a:lnTo>
-                  <a:lnTo>
-                    <a:pt x="523466" y="1322143"/>
-                  </a:lnTo>
-                  <a:lnTo>
-                    <a:pt x="569406" y="1363562"/>
-                  </a:lnTo>
-                  <a:lnTo>
-                    <a:pt x="616735" y="1403385"/>
-                  </a:lnTo>
-                  <a:lnTo>
-                    <a:pt x="665399" y="1441567"/>
-                  </a:lnTo>
-                  <a:lnTo>
-                    <a:pt x="715339" y="1478061"/>
-                  </a:lnTo>
-                  <a:lnTo>
-                    <a:pt x="766499" y="1512827"/>
-                  </a:lnTo>
-                  <a:lnTo>
-                    <a:pt x="818818" y="1545822"/>
-                  </a:lnTo>
-                  <a:lnTo>
-                    <a:pt x="872235" y="1577009"/>
-                  </a:lnTo>
-                  <a:lnTo>
-                    <a:pt x="926687" y="1606350"/>
-                  </a:lnTo>
-                  <a:lnTo>
-                    <a:pt x="982111" y="1633812"/>
-                  </a:lnTo>
-                  <a:lnTo>
-                    <a:pt x="1038441" y="1659363"/>
-                  </a:lnTo>
-                  <a:lnTo>
-                    <a:pt x="1095612" y="1682972"/>
-                  </a:lnTo>
-                  <a:lnTo>
-                    <a:pt x="1153558" y="1704612"/>
-                  </a:lnTo>
-                  <a:lnTo>
-                    <a:pt x="1212209" y="1724257"/>
-                  </a:lnTo>
-                  <a:lnTo>
-                    <a:pt x="1271498" y="1741885"/>
-                  </a:lnTo>
-                  <a:lnTo>
-                    <a:pt x="1331356" y="1757475"/>
-                  </a:lnTo>
-                  <a:lnTo>
-                    <a:pt x="1391711" y="1771009"/>
-                  </a:lnTo>
-                  <a:lnTo>
-                    <a:pt x="1452494" y="1782471"/>
-                  </a:lnTo>
-                  <a:lnTo>
-                    <a:pt x="1513634" y="1791847"/>
-                  </a:lnTo>
-                  <a:lnTo>
-                    <a:pt x="1575058" y="1799127"/>
-                  </a:lnTo>
-                  <a:lnTo>
-                    <a:pt x="1636696" y="1804301"/>
-                  </a:lnTo>
-                  <a:lnTo>
-                    <a:pt x="1698474" y="1807365"/>
-                  </a:lnTo>
-                  <a:lnTo>
-                    <a:pt x="1760321" y="1808314"/>
-                  </a:lnTo>
-                  <a:lnTo>
-                    <a:pt x="1822164" y="1807147"/>
-                  </a:lnTo>
-                  <a:lnTo>
-                    <a:pt x="1883932" y="1803866"/>
-                  </a:lnTo>
-                  <a:lnTo>
-                    <a:pt x="1945550" y="1798475"/>
-                  </a:lnTo>
-                  <a:lnTo>
-                    <a:pt x="2006949" y="1790979"/>
-                  </a:lnTo>
-                  <a:lnTo>
-                    <a:pt x="2068055" y="1781387"/>
-                  </a:lnTo>
-                  <a:lnTo>
-                    <a:pt x="2128797" y="1769712"/>
-                  </a:lnTo>
-                  <a:lnTo>
-                    <a:pt x="2189105" y="1755966"/>
-                  </a:lnTo>
-                  <a:lnTo>
-                    <a:pt x="2248907" y="1740165"/>
-                  </a:lnTo>
-                  <a:lnTo>
-                    <a:pt x="2308134" y="1722328"/>
-                  </a:lnTo>
-                  <a:lnTo>
-                    <a:pt x="2366716" y="1702476"/>
-                  </a:lnTo>
-                  <a:lnTo>
-                    <a:pt x="2424584" y="1680633"/>
-                  </a:lnTo>
-                  <a:lnTo>
-                    <a:pt x="2481672" y="1656823"/>
-                  </a:lnTo>
-                  <a:lnTo>
-                    <a:pt x="2537913" y="1631074"/>
-                  </a:lnTo>
-                  <a:lnTo>
-                    <a:pt x="2510989" y="1574830"/>
-                  </a:lnTo>
-                  <a:lnTo>
-                    <a:pt x="2484066" y="1518586"/>
-                  </a:lnTo>
-                  <a:lnTo>
-                    <a:pt x="2457143" y="1462342"/>
-                  </a:lnTo>
-                  <a:lnTo>
-                    <a:pt x="2430220" y="1406098"/>
-                  </a:lnTo>
-                  <a:lnTo>
-                    <a:pt x="2403296" y="1349854"/>
-                  </a:lnTo>
-                  <a:lnTo>
-                    <a:pt x="2376373" y="1293610"/>
-                  </a:lnTo>
-                  <a:lnTo>
-                    <a:pt x="2349450" y="1237366"/>
-                  </a:lnTo>
-                  <a:lnTo>
-                    <a:pt x="2322527" y="1181122"/>
-                  </a:lnTo>
-                  <a:lnTo>
-                    <a:pt x="2295603" y="1124878"/>
-                  </a:lnTo>
-                  <a:lnTo>
-                    <a:pt x="2268680" y="1068634"/>
-                  </a:lnTo>
-                  <a:lnTo>
-                    <a:pt x="2241757" y="1012391"/>
-                  </a:lnTo>
-                  <a:lnTo>
-                    <a:pt x="2214834" y="956147"/>
-                  </a:lnTo>
-                  <a:lnTo>
-                    <a:pt x="2187910" y="899903"/>
-                  </a:lnTo>
-                  <a:lnTo>
-                    <a:pt x="2160987" y="843659"/>
-                  </a:lnTo>
-                  <a:lnTo>
-                    <a:pt x="2134064" y="787415"/>
-                  </a:lnTo>
-                  <a:lnTo>
-                    <a:pt x="2107141" y="731171"/>
-                  </a:lnTo>
-                  <a:lnTo>
-                    <a:pt x="2080217" y="674927"/>
-                  </a:lnTo>
-                  <a:lnTo>
-                    <a:pt x="2053294" y="618683"/>
-                  </a:lnTo>
-                  <a:lnTo>
-                    <a:pt x="2026371" y="562439"/>
-                  </a:lnTo>
-                  <a:lnTo>
-                    <a:pt x="1999448" y="506195"/>
-                  </a:lnTo>
-                  <a:lnTo>
-                    <a:pt x="1972524" y="449951"/>
-                  </a:lnTo>
-                  <a:lnTo>
-                    <a:pt x="1945601" y="393707"/>
-                  </a:lnTo>
-                  <a:lnTo>
-                    <a:pt x="1918678" y="337463"/>
-                  </a:lnTo>
-                  <a:lnTo>
-                    <a:pt x="1891755" y="281219"/>
-                  </a:lnTo>
-                  <a:lnTo>
-                    <a:pt x="1864831" y="224975"/>
-                  </a:lnTo>
-                  <a:lnTo>
-                    <a:pt x="1837908" y="168731"/>
-                  </a:lnTo>
-                  <a:lnTo>
-                    <a:pt x="1810985" y="112487"/>
-                  </a:lnTo>
-                  <a:lnTo>
-                    <a:pt x="1784062" y="56243"/>
-                  </a:lnTo>
-                  <a:close/>
                 </a:path>
               </a:pathLst>
             </a:custGeom>
-            <a:solidFill>
-              <a:srgbClr val="7CAE00">
-                <a:alpha val="100000"/>
-              </a:srgbClr>
-            </a:solidFill>
-            <a:ln w="13550" cap="rnd">
+            <a:ln w="3387" cap="flat">
               <a:solidFill>
-                <a:srgbClr val="FFFFFF">
+                <a:srgbClr val="DEDEDE">
                   <a:alpha val="100000"/>
                 </a:srgbClr>
               </a:solidFill>
@@ -4186,364 +3298,34 @@
         </p:sp>
         <p:sp>
           <p:nvSpPr>
-            <p:cNvPr id="7" name="pg7"/>
+            <p:cNvPr id="8" name="pl8"/>
             <p:cNvSpPr/>
             <p:nvPr/>
           </p:nvSpPr>
           <p:spPr>
             <a:xfrm>
-              <a:off x="3152101" y="1973107"/>
-              <a:ext cx="1808317" cy="2235487"/>
+              <a:off x="6146410" y="1590617"/>
+              <a:ext cx="0" cy="4048310"/>
             </a:xfrm>
             <a:custGeom>
               <a:avLst/>
               <a:pathLst>
-                <a:path w="1808317" h="2235487">
+                <a:path w="0" h="4048310">
                   <a:moveTo>
-                    <a:pt x="1808317" y="1808317"/>
+                    <a:pt x="0" y="4048310"/>
                   </a:moveTo>
                   <a:lnTo>
-                    <a:pt x="1808317" y="1745961"/>
+                    <a:pt x="0" y="0"/>
                   </a:lnTo>
                   <a:lnTo>
-                    <a:pt x="1808317" y="1683605"/>
+                    <a:pt x="0" y="0"/>
                   </a:lnTo>
-                  <a:lnTo>
-                    <a:pt x="1808317" y="1621250"/>
-                  </a:lnTo>
-                  <a:lnTo>
-                    <a:pt x="1808317" y="1558894"/>
-                  </a:lnTo>
-                  <a:lnTo>
-                    <a:pt x="1808317" y="1496538"/>
-                  </a:lnTo>
-                  <a:lnTo>
-                    <a:pt x="1808317" y="1434182"/>
-                  </a:lnTo>
-                  <a:lnTo>
-                    <a:pt x="1808317" y="1371827"/>
-                  </a:lnTo>
-                  <a:lnTo>
-                    <a:pt x="1808317" y="1309471"/>
-                  </a:lnTo>
-                  <a:lnTo>
-                    <a:pt x="1808317" y="1247115"/>
-                  </a:lnTo>
-                  <a:lnTo>
-                    <a:pt x="1808317" y="1184759"/>
-                  </a:lnTo>
-                  <a:lnTo>
-                    <a:pt x="1808317" y="1122403"/>
-                  </a:lnTo>
-                  <a:lnTo>
-                    <a:pt x="1808317" y="1060048"/>
-                  </a:lnTo>
-                  <a:lnTo>
-                    <a:pt x="1808317" y="997692"/>
-                  </a:lnTo>
-                  <a:lnTo>
-                    <a:pt x="1808317" y="935336"/>
-                  </a:lnTo>
-                  <a:lnTo>
-                    <a:pt x="1808317" y="872980"/>
-                  </a:lnTo>
-                  <a:lnTo>
-                    <a:pt x="1808317" y="810625"/>
-                  </a:lnTo>
-                  <a:lnTo>
-                    <a:pt x="1808317" y="748269"/>
-                  </a:lnTo>
-                  <a:lnTo>
-                    <a:pt x="1808317" y="685913"/>
-                  </a:lnTo>
-                  <a:lnTo>
-                    <a:pt x="1808317" y="623557"/>
-                  </a:lnTo>
-                  <a:lnTo>
-                    <a:pt x="1808317" y="561201"/>
-                  </a:lnTo>
-                  <a:lnTo>
-                    <a:pt x="1808317" y="498846"/>
-                  </a:lnTo>
-                  <a:lnTo>
-                    <a:pt x="1808317" y="436490"/>
-                  </a:lnTo>
-                  <a:lnTo>
-                    <a:pt x="1808317" y="374134"/>
-                  </a:lnTo>
-                  <a:lnTo>
-                    <a:pt x="1808317" y="311778"/>
-                  </a:lnTo>
-                  <a:lnTo>
-                    <a:pt x="1808317" y="249423"/>
-                  </a:lnTo>
-                  <a:lnTo>
-                    <a:pt x="1808317" y="187067"/>
-                  </a:lnTo>
-                  <a:lnTo>
-                    <a:pt x="1808317" y="124711"/>
-                  </a:lnTo>
-                  <a:lnTo>
-                    <a:pt x="1808317" y="62355"/>
-                  </a:lnTo>
-                  <a:lnTo>
-                    <a:pt x="1808317" y="0"/>
-                  </a:lnTo>
-                  <a:lnTo>
-                    <a:pt x="1746598" y="1053"/>
-                  </a:lnTo>
-                  <a:lnTo>
-                    <a:pt x="1684951" y="4213"/>
-                  </a:lnTo>
-                  <a:lnTo>
-                    <a:pt x="1623447" y="9474"/>
-                  </a:lnTo>
-                  <a:lnTo>
-                    <a:pt x="1562159" y="16832"/>
-                  </a:lnTo>
-                  <a:lnTo>
-                    <a:pt x="1501158" y="26277"/>
-                  </a:lnTo>
-                  <a:lnTo>
-                    <a:pt x="1440515" y="37799"/>
-                  </a:lnTo>
-                  <a:lnTo>
-                    <a:pt x="1380300" y="51384"/>
-                  </a:lnTo>
-                  <a:lnTo>
-                    <a:pt x="1320584" y="67016"/>
-                  </a:lnTo>
-                  <a:lnTo>
-                    <a:pt x="1261437" y="84677"/>
-                  </a:lnTo>
-                  <a:lnTo>
-                    <a:pt x="1202926" y="104347"/>
-                  </a:lnTo>
-                  <a:lnTo>
-                    <a:pt x="1145122" y="126002"/>
-                  </a:lnTo>
-                  <a:lnTo>
-                    <a:pt x="1088089" y="149617"/>
-                  </a:lnTo>
-                  <a:lnTo>
-                    <a:pt x="1031897" y="175165"/>
-                  </a:lnTo>
-                  <a:lnTo>
-                    <a:pt x="976608" y="202617"/>
-                  </a:lnTo>
-                  <a:lnTo>
-                    <a:pt x="922289" y="231939"/>
-                  </a:lnTo>
-                  <a:lnTo>
-                    <a:pt x="869003" y="263098"/>
-                  </a:lnTo>
-                  <a:lnTo>
-                    <a:pt x="816811" y="296058"/>
-                  </a:lnTo>
-                  <a:lnTo>
-                    <a:pt x="765774" y="330780"/>
-                  </a:lnTo>
-                  <a:lnTo>
-                    <a:pt x="715952" y="367223"/>
-                  </a:lnTo>
-                  <a:lnTo>
-                    <a:pt x="667403" y="405346"/>
-                  </a:lnTo>
-                  <a:lnTo>
-                    <a:pt x="620183" y="445103"/>
-                  </a:lnTo>
-                  <a:lnTo>
-                    <a:pt x="574348" y="486449"/>
-                  </a:lnTo>
-                  <a:lnTo>
-                    <a:pt x="529951" y="529336"/>
-                  </a:lnTo>
-                  <a:lnTo>
-                    <a:pt x="487043" y="573712"/>
-                  </a:lnTo>
-                  <a:lnTo>
-                    <a:pt x="445675" y="619527"/>
-                  </a:lnTo>
-                  <a:lnTo>
-                    <a:pt x="405895" y="666728"/>
-                  </a:lnTo>
-                  <a:lnTo>
-                    <a:pt x="367749" y="715259"/>
-                  </a:lnTo>
-                  <a:lnTo>
-                    <a:pt x="331282" y="765063"/>
-                  </a:lnTo>
-                  <a:lnTo>
-                    <a:pt x="296535" y="816083"/>
-                  </a:lnTo>
-                  <a:lnTo>
-                    <a:pt x="263550" y="868259"/>
-                  </a:lnTo>
-                  <a:lnTo>
-                    <a:pt x="232366" y="921531"/>
-                  </a:lnTo>
-                  <a:lnTo>
-                    <a:pt x="203017" y="975836"/>
-                  </a:lnTo>
-                  <a:lnTo>
-                    <a:pt x="175539" y="1031110"/>
-                  </a:lnTo>
-                  <a:lnTo>
-                    <a:pt x="149964" y="1087291"/>
-                  </a:lnTo>
-                  <a:lnTo>
-                    <a:pt x="126321" y="1144312"/>
-                  </a:lnTo>
-                  <a:lnTo>
-                    <a:pt x="104638" y="1202106"/>
-                  </a:lnTo>
-                  <a:lnTo>
-                    <a:pt x="84940" y="1260607"/>
-                  </a:lnTo>
-                  <a:lnTo>
-                    <a:pt x="67251" y="1319746"/>
-                  </a:lnTo>
-                  <a:lnTo>
-                    <a:pt x="51590" y="1379455"/>
-                  </a:lnTo>
-                  <a:lnTo>
-                    <a:pt x="37976" y="1439663"/>
-                  </a:lnTo>
-                  <a:lnTo>
-                    <a:pt x="26425" y="1500300"/>
-                  </a:lnTo>
-                  <a:lnTo>
-                    <a:pt x="16950" y="1561297"/>
-                  </a:lnTo>
-                  <a:lnTo>
-                    <a:pt x="9563" y="1622581"/>
-                  </a:lnTo>
-                  <a:lnTo>
-                    <a:pt x="4272" y="1684082"/>
-                  </a:lnTo>
-                  <a:lnTo>
-                    <a:pt x="1083" y="1745728"/>
-                  </a:lnTo>
-                  <a:lnTo>
-                    <a:pt x="0" y="1807446"/>
-                  </a:lnTo>
-                  <a:lnTo>
-                    <a:pt x="1023" y="1869166"/>
-                  </a:lnTo>
-                  <a:lnTo>
-                    <a:pt x="4153" y="1930814"/>
-                  </a:lnTo>
-                  <a:lnTo>
-                    <a:pt x="9385" y="1992320"/>
-                  </a:lnTo>
-                  <a:lnTo>
-                    <a:pt x="16713" y="2053612"/>
-                  </a:lnTo>
-                  <a:lnTo>
-                    <a:pt x="26129" y="2114617"/>
-                  </a:lnTo>
-                  <a:lnTo>
-                    <a:pt x="37622" y="2175266"/>
-                  </a:lnTo>
-                  <a:lnTo>
-                    <a:pt x="51178" y="2235487"/>
-                  </a:lnTo>
-                  <a:lnTo>
-                    <a:pt x="111769" y="2220757"/>
-                  </a:lnTo>
-                  <a:lnTo>
-                    <a:pt x="172360" y="2206027"/>
-                  </a:lnTo>
-                  <a:lnTo>
-                    <a:pt x="232951" y="2191297"/>
-                  </a:lnTo>
-                  <a:lnTo>
-                    <a:pt x="293542" y="2176567"/>
-                  </a:lnTo>
-                  <a:lnTo>
-                    <a:pt x="354133" y="2161837"/>
-                  </a:lnTo>
-                  <a:lnTo>
-                    <a:pt x="414724" y="2147107"/>
-                  </a:lnTo>
-                  <a:lnTo>
-                    <a:pt x="475315" y="2132377"/>
-                  </a:lnTo>
-                  <a:lnTo>
-                    <a:pt x="535906" y="2117647"/>
-                  </a:lnTo>
-                  <a:lnTo>
-                    <a:pt x="596497" y="2102917"/>
-                  </a:lnTo>
-                  <a:lnTo>
-                    <a:pt x="657088" y="2088187"/>
-                  </a:lnTo>
-                  <a:lnTo>
-                    <a:pt x="717679" y="2073457"/>
-                  </a:lnTo>
-                  <a:lnTo>
-                    <a:pt x="778270" y="2058727"/>
-                  </a:lnTo>
-                  <a:lnTo>
-                    <a:pt x="838861" y="2043997"/>
-                  </a:lnTo>
-                  <a:lnTo>
-                    <a:pt x="899452" y="2029267"/>
-                  </a:lnTo>
-                  <a:lnTo>
-                    <a:pt x="960043" y="2014537"/>
-                  </a:lnTo>
-                  <a:lnTo>
-                    <a:pt x="1020634" y="1999807"/>
-                  </a:lnTo>
-                  <a:lnTo>
-                    <a:pt x="1081225" y="1985077"/>
-                  </a:lnTo>
-                  <a:lnTo>
-                    <a:pt x="1141816" y="1970347"/>
-                  </a:lnTo>
-                  <a:lnTo>
-                    <a:pt x="1202407" y="1955617"/>
-                  </a:lnTo>
-                  <a:lnTo>
-                    <a:pt x="1262998" y="1940887"/>
-                  </a:lnTo>
-                  <a:lnTo>
-                    <a:pt x="1323589" y="1926157"/>
-                  </a:lnTo>
-                  <a:lnTo>
-                    <a:pt x="1384180" y="1911427"/>
-                  </a:lnTo>
-                  <a:lnTo>
-                    <a:pt x="1444771" y="1896697"/>
-                  </a:lnTo>
-                  <a:lnTo>
-                    <a:pt x="1505362" y="1881967"/>
-                  </a:lnTo>
-                  <a:lnTo>
-                    <a:pt x="1565953" y="1867237"/>
-                  </a:lnTo>
-                  <a:lnTo>
-                    <a:pt x="1626544" y="1852507"/>
-                  </a:lnTo>
-                  <a:lnTo>
-                    <a:pt x="1687135" y="1837777"/>
-                  </a:lnTo>
-                  <a:lnTo>
-                    <a:pt x="1747726" y="1823047"/>
-                  </a:lnTo>
-                  <a:close/>
                 </a:path>
               </a:pathLst>
             </a:custGeom>
-            <a:solidFill>
-              <a:srgbClr val="F8766D">
-                <a:alpha val="100000"/>
-              </a:srgbClr>
-            </a:solidFill>
-            <a:ln w="13550" cap="rnd">
+            <a:ln w="3387" cap="flat">
               <a:solidFill>
-                <a:srgbClr val="FFFFFF">
+                <a:srgbClr val="DEDEDE">
                   <a:alpha val="100000"/>
                 </a:srgbClr>
               </a:solidFill>
@@ -4559,14 +3341,755 @@
         </p:sp>
         <p:sp>
           <p:nvSpPr>
-            <p:cNvPr id="8" name="tx8"/>
+            <p:cNvPr id="9" name="pl9"/>
             <p:cNvSpPr/>
             <p:nvPr/>
           </p:nvSpPr>
           <p:spPr>
             <a:xfrm>
-              <a:off x="5324428" y="3009798"/>
-              <a:ext cx="409835" cy="109040"/>
+              <a:off x="7795554" y="1590617"/>
+              <a:ext cx="0" cy="4048310"/>
+            </a:xfrm>
+            <a:custGeom>
+              <a:avLst/>
+              <a:pathLst>
+                <a:path w="0" h="4048310">
+                  <a:moveTo>
+                    <a:pt x="0" y="4048310"/>
+                  </a:moveTo>
+                  <a:lnTo>
+                    <a:pt x="0" y="0"/>
+                  </a:lnTo>
+                  <a:lnTo>
+                    <a:pt x="0" y="0"/>
+                  </a:lnTo>
+                </a:path>
+              </a:pathLst>
+            </a:custGeom>
+            <a:ln w="3387" cap="flat">
+              <a:solidFill>
+                <a:srgbClr val="DEDEDE">
+                  <a:alpha val="100000"/>
+                </a:srgbClr>
+              </a:solidFill>
+              <a:prstDash val="solid"/>
+              <a:round/>
+            </a:ln>
+          </p:spPr>
+          <p:txBody>
+            <a:bodyPr/>
+            <a:lstStyle/>
+            <a:p/>
+          </p:txBody>
+        </p:sp>
+        <p:sp>
+          <p:nvSpPr>
+            <p:cNvPr id="10" name="pl10"/>
+            <p:cNvSpPr/>
+            <p:nvPr/>
+          </p:nvSpPr>
+          <p:spPr>
+            <a:xfrm>
+              <a:off x="2023549" y="5301568"/>
+              <a:ext cx="6913543" cy="0"/>
+            </a:xfrm>
+            <a:custGeom>
+              <a:avLst/>
+              <a:pathLst>
+                <a:path w="6913543" h="0">
+                  <a:moveTo>
+                    <a:pt x="0" y="0"/>
+                  </a:moveTo>
+                  <a:lnTo>
+                    <a:pt x="6913543" y="0"/>
+                  </a:lnTo>
+                  <a:lnTo>
+                    <a:pt x="6913543" y="0"/>
+                  </a:lnTo>
+                </a:path>
+              </a:pathLst>
+            </a:custGeom>
+            <a:ln w="6775" cap="flat">
+              <a:solidFill>
+                <a:srgbClr val="DEDEDE">
+                  <a:alpha val="100000"/>
+                </a:srgbClr>
+              </a:solidFill>
+              <a:prstDash val="solid"/>
+              <a:round/>
+            </a:ln>
+          </p:spPr>
+          <p:txBody>
+            <a:bodyPr/>
+            <a:lstStyle/>
+            <a:p/>
+          </p:txBody>
+        </p:sp>
+        <p:sp>
+          <p:nvSpPr>
+            <p:cNvPr id="11" name="pl11"/>
+            <p:cNvSpPr/>
+            <p:nvPr/>
+          </p:nvSpPr>
+          <p:spPr>
+            <a:xfrm>
+              <a:off x="2023549" y="4739303"/>
+              <a:ext cx="6913543" cy="0"/>
+            </a:xfrm>
+            <a:custGeom>
+              <a:avLst/>
+              <a:pathLst>
+                <a:path w="6913543" h="0">
+                  <a:moveTo>
+                    <a:pt x="0" y="0"/>
+                  </a:moveTo>
+                  <a:lnTo>
+                    <a:pt x="6913543" y="0"/>
+                  </a:lnTo>
+                  <a:lnTo>
+                    <a:pt x="6913543" y="0"/>
+                  </a:lnTo>
+                </a:path>
+              </a:pathLst>
+            </a:custGeom>
+            <a:ln w="6775" cap="flat">
+              <a:solidFill>
+                <a:srgbClr val="DEDEDE">
+                  <a:alpha val="100000"/>
+                </a:srgbClr>
+              </a:solidFill>
+              <a:prstDash val="solid"/>
+              <a:round/>
+            </a:ln>
+          </p:spPr>
+          <p:txBody>
+            <a:bodyPr/>
+            <a:lstStyle/>
+            <a:p/>
+          </p:txBody>
+        </p:sp>
+        <p:sp>
+          <p:nvSpPr>
+            <p:cNvPr id="12" name="pl12"/>
+            <p:cNvSpPr/>
+            <p:nvPr/>
+          </p:nvSpPr>
+          <p:spPr>
+            <a:xfrm>
+              <a:off x="2023549" y="4177037"/>
+              <a:ext cx="6913543" cy="0"/>
+            </a:xfrm>
+            <a:custGeom>
+              <a:avLst/>
+              <a:pathLst>
+                <a:path w="6913543" h="0">
+                  <a:moveTo>
+                    <a:pt x="0" y="0"/>
+                  </a:moveTo>
+                  <a:lnTo>
+                    <a:pt x="6913543" y="0"/>
+                  </a:lnTo>
+                  <a:lnTo>
+                    <a:pt x="6913543" y="0"/>
+                  </a:lnTo>
+                </a:path>
+              </a:pathLst>
+            </a:custGeom>
+            <a:ln w="6775" cap="flat">
+              <a:solidFill>
+                <a:srgbClr val="DEDEDE">
+                  <a:alpha val="100000"/>
+                </a:srgbClr>
+              </a:solidFill>
+              <a:prstDash val="solid"/>
+              <a:round/>
+            </a:ln>
+          </p:spPr>
+          <p:txBody>
+            <a:bodyPr/>
+            <a:lstStyle/>
+            <a:p/>
+          </p:txBody>
+        </p:sp>
+        <p:sp>
+          <p:nvSpPr>
+            <p:cNvPr id="13" name="pl13"/>
+            <p:cNvSpPr/>
+            <p:nvPr/>
+          </p:nvSpPr>
+          <p:spPr>
+            <a:xfrm>
+              <a:off x="2023549" y="3614772"/>
+              <a:ext cx="6913543" cy="0"/>
+            </a:xfrm>
+            <a:custGeom>
+              <a:avLst/>
+              <a:pathLst>
+                <a:path w="6913543" h="0">
+                  <a:moveTo>
+                    <a:pt x="0" y="0"/>
+                  </a:moveTo>
+                  <a:lnTo>
+                    <a:pt x="6913543" y="0"/>
+                  </a:lnTo>
+                  <a:lnTo>
+                    <a:pt x="6913543" y="0"/>
+                  </a:lnTo>
+                </a:path>
+              </a:pathLst>
+            </a:custGeom>
+            <a:ln w="6775" cap="flat">
+              <a:solidFill>
+                <a:srgbClr val="DEDEDE">
+                  <a:alpha val="100000"/>
+                </a:srgbClr>
+              </a:solidFill>
+              <a:prstDash val="solid"/>
+              <a:round/>
+            </a:ln>
+          </p:spPr>
+          <p:txBody>
+            <a:bodyPr/>
+            <a:lstStyle/>
+            <a:p/>
+          </p:txBody>
+        </p:sp>
+        <p:sp>
+          <p:nvSpPr>
+            <p:cNvPr id="14" name="pl14"/>
+            <p:cNvSpPr/>
+            <p:nvPr/>
+          </p:nvSpPr>
+          <p:spPr>
+            <a:xfrm>
+              <a:off x="2023549" y="3052507"/>
+              <a:ext cx="6913543" cy="0"/>
+            </a:xfrm>
+            <a:custGeom>
+              <a:avLst/>
+              <a:pathLst>
+                <a:path w="6913543" h="0">
+                  <a:moveTo>
+                    <a:pt x="0" y="0"/>
+                  </a:moveTo>
+                  <a:lnTo>
+                    <a:pt x="6913543" y="0"/>
+                  </a:lnTo>
+                  <a:lnTo>
+                    <a:pt x="6913543" y="0"/>
+                  </a:lnTo>
+                </a:path>
+              </a:pathLst>
+            </a:custGeom>
+            <a:ln w="6775" cap="flat">
+              <a:solidFill>
+                <a:srgbClr val="DEDEDE">
+                  <a:alpha val="100000"/>
+                </a:srgbClr>
+              </a:solidFill>
+              <a:prstDash val="solid"/>
+              <a:round/>
+            </a:ln>
+          </p:spPr>
+          <p:txBody>
+            <a:bodyPr/>
+            <a:lstStyle/>
+            <a:p/>
+          </p:txBody>
+        </p:sp>
+        <p:sp>
+          <p:nvSpPr>
+            <p:cNvPr id="15" name="pl15"/>
+            <p:cNvSpPr/>
+            <p:nvPr/>
+          </p:nvSpPr>
+          <p:spPr>
+            <a:xfrm>
+              <a:off x="2023549" y="2490241"/>
+              <a:ext cx="6913543" cy="0"/>
+            </a:xfrm>
+            <a:custGeom>
+              <a:avLst/>
+              <a:pathLst>
+                <a:path w="6913543" h="0">
+                  <a:moveTo>
+                    <a:pt x="0" y="0"/>
+                  </a:moveTo>
+                  <a:lnTo>
+                    <a:pt x="6913543" y="0"/>
+                  </a:lnTo>
+                  <a:lnTo>
+                    <a:pt x="6913543" y="0"/>
+                  </a:lnTo>
+                </a:path>
+              </a:pathLst>
+            </a:custGeom>
+            <a:ln w="6775" cap="flat">
+              <a:solidFill>
+                <a:srgbClr val="DEDEDE">
+                  <a:alpha val="100000"/>
+                </a:srgbClr>
+              </a:solidFill>
+              <a:prstDash val="solid"/>
+              <a:round/>
+            </a:ln>
+          </p:spPr>
+          <p:txBody>
+            <a:bodyPr/>
+            <a:lstStyle/>
+            <a:p/>
+          </p:txBody>
+        </p:sp>
+        <p:sp>
+          <p:nvSpPr>
+            <p:cNvPr id="16" name="pl16"/>
+            <p:cNvSpPr/>
+            <p:nvPr/>
+          </p:nvSpPr>
+          <p:spPr>
+            <a:xfrm>
+              <a:off x="2023549" y="1927976"/>
+              <a:ext cx="6913543" cy="0"/>
+            </a:xfrm>
+            <a:custGeom>
+              <a:avLst/>
+              <a:pathLst>
+                <a:path w="6913543" h="0">
+                  <a:moveTo>
+                    <a:pt x="0" y="0"/>
+                  </a:moveTo>
+                  <a:lnTo>
+                    <a:pt x="6913543" y="0"/>
+                  </a:lnTo>
+                  <a:lnTo>
+                    <a:pt x="6913543" y="0"/>
+                  </a:lnTo>
+                </a:path>
+              </a:pathLst>
+            </a:custGeom>
+            <a:ln w="6775" cap="flat">
+              <a:solidFill>
+                <a:srgbClr val="DEDEDE">
+                  <a:alpha val="100000"/>
+                </a:srgbClr>
+              </a:solidFill>
+              <a:prstDash val="solid"/>
+              <a:round/>
+            </a:ln>
+          </p:spPr>
+          <p:txBody>
+            <a:bodyPr/>
+            <a:lstStyle/>
+            <a:p/>
+          </p:txBody>
+        </p:sp>
+        <p:sp>
+          <p:nvSpPr>
+            <p:cNvPr id="17" name="pl17"/>
+            <p:cNvSpPr/>
+            <p:nvPr/>
+          </p:nvSpPr>
+          <p:spPr>
+            <a:xfrm>
+              <a:off x="2023549" y="1590617"/>
+              <a:ext cx="0" cy="4048310"/>
+            </a:xfrm>
+            <a:custGeom>
+              <a:avLst/>
+              <a:pathLst>
+                <a:path w="0" h="4048310">
+                  <a:moveTo>
+                    <a:pt x="0" y="4048310"/>
+                  </a:moveTo>
+                  <a:lnTo>
+                    <a:pt x="0" y="0"/>
+                  </a:lnTo>
+                  <a:lnTo>
+                    <a:pt x="0" y="0"/>
+                  </a:lnTo>
+                </a:path>
+              </a:pathLst>
+            </a:custGeom>
+            <a:ln w="6775" cap="flat">
+              <a:solidFill>
+                <a:srgbClr val="DEDEDE">
+                  <a:alpha val="100000"/>
+                </a:srgbClr>
+              </a:solidFill>
+              <a:prstDash val="solid"/>
+              <a:round/>
+            </a:ln>
+          </p:spPr>
+          <p:txBody>
+            <a:bodyPr/>
+            <a:lstStyle/>
+            <a:p/>
+          </p:txBody>
+        </p:sp>
+        <p:sp>
+          <p:nvSpPr>
+            <p:cNvPr id="18" name="pl18"/>
+            <p:cNvSpPr/>
+            <p:nvPr/>
+          </p:nvSpPr>
+          <p:spPr>
+            <a:xfrm>
+              <a:off x="3672693" y="1590617"/>
+              <a:ext cx="0" cy="4048310"/>
+            </a:xfrm>
+            <a:custGeom>
+              <a:avLst/>
+              <a:pathLst>
+                <a:path w="0" h="4048310">
+                  <a:moveTo>
+                    <a:pt x="0" y="4048310"/>
+                  </a:moveTo>
+                  <a:lnTo>
+                    <a:pt x="0" y="0"/>
+                  </a:lnTo>
+                  <a:lnTo>
+                    <a:pt x="0" y="0"/>
+                  </a:lnTo>
+                </a:path>
+              </a:pathLst>
+            </a:custGeom>
+            <a:ln w="6775" cap="flat">
+              <a:solidFill>
+                <a:srgbClr val="DEDEDE">
+                  <a:alpha val="100000"/>
+                </a:srgbClr>
+              </a:solidFill>
+              <a:prstDash val="solid"/>
+              <a:round/>
+            </a:ln>
+          </p:spPr>
+          <p:txBody>
+            <a:bodyPr/>
+            <a:lstStyle/>
+            <a:p/>
+          </p:txBody>
+        </p:sp>
+        <p:sp>
+          <p:nvSpPr>
+            <p:cNvPr id="19" name="pl19"/>
+            <p:cNvSpPr/>
+            <p:nvPr/>
+          </p:nvSpPr>
+          <p:spPr>
+            <a:xfrm>
+              <a:off x="5321838" y="1590617"/>
+              <a:ext cx="0" cy="4048310"/>
+            </a:xfrm>
+            <a:custGeom>
+              <a:avLst/>
+              <a:pathLst>
+                <a:path w="0" h="4048310">
+                  <a:moveTo>
+                    <a:pt x="0" y="4048310"/>
+                  </a:moveTo>
+                  <a:lnTo>
+                    <a:pt x="0" y="0"/>
+                  </a:lnTo>
+                  <a:lnTo>
+                    <a:pt x="0" y="0"/>
+                  </a:lnTo>
+                </a:path>
+              </a:pathLst>
+            </a:custGeom>
+            <a:ln w="6775" cap="flat">
+              <a:solidFill>
+                <a:srgbClr val="DEDEDE">
+                  <a:alpha val="100000"/>
+                </a:srgbClr>
+              </a:solidFill>
+              <a:prstDash val="solid"/>
+              <a:round/>
+            </a:ln>
+          </p:spPr>
+          <p:txBody>
+            <a:bodyPr/>
+            <a:lstStyle/>
+            <a:p/>
+          </p:txBody>
+        </p:sp>
+        <p:sp>
+          <p:nvSpPr>
+            <p:cNvPr id="20" name="pl20"/>
+            <p:cNvSpPr/>
+            <p:nvPr/>
+          </p:nvSpPr>
+          <p:spPr>
+            <a:xfrm>
+              <a:off x="6970982" y="1590617"/>
+              <a:ext cx="0" cy="4048310"/>
+            </a:xfrm>
+            <a:custGeom>
+              <a:avLst/>
+              <a:pathLst>
+                <a:path w="0" h="4048310">
+                  <a:moveTo>
+                    <a:pt x="0" y="4048310"/>
+                  </a:moveTo>
+                  <a:lnTo>
+                    <a:pt x="0" y="0"/>
+                  </a:lnTo>
+                  <a:lnTo>
+                    <a:pt x="0" y="0"/>
+                  </a:lnTo>
+                </a:path>
+              </a:pathLst>
+            </a:custGeom>
+            <a:ln w="6775" cap="flat">
+              <a:solidFill>
+                <a:srgbClr val="DEDEDE">
+                  <a:alpha val="100000"/>
+                </a:srgbClr>
+              </a:solidFill>
+              <a:prstDash val="solid"/>
+              <a:round/>
+            </a:ln>
+          </p:spPr>
+          <p:txBody>
+            <a:bodyPr/>
+            <a:lstStyle/>
+            <a:p/>
+          </p:txBody>
+        </p:sp>
+        <p:sp>
+          <p:nvSpPr>
+            <p:cNvPr id="21" name="pl21"/>
+            <p:cNvSpPr/>
+            <p:nvPr/>
+          </p:nvSpPr>
+          <p:spPr>
+            <a:xfrm>
+              <a:off x="8620126" y="1590617"/>
+              <a:ext cx="0" cy="4048310"/>
+            </a:xfrm>
+            <a:custGeom>
+              <a:avLst/>
+              <a:pathLst>
+                <a:path w="0" h="4048310">
+                  <a:moveTo>
+                    <a:pt x="0" y="4048310"/>
+                  </a:moveTo>
+                  <a:lnTo>
+                    <a:pt x="0" y="0"/>
+                  </a:lnTo>
+                  <a:lnTo>
+                    <a:pt x="0" y="0"/>
+                  </a:lnTo>
+                </a:path>
+              </a:pathLst>
+            </a:custGeom>
+            <a:ln w="6775" cap="flat">
+              <a:solidFill>
+                <a:srgbClr val="DEDEDE">
+                  <a:alpha val="100000"/>
+                </a:srgbClr>
+              </a:solidFill>
+              <a:prstDash val="solid"/>
+              <a:round/>
+            </a:ln>
+          </p:spPr>
+          <p:txBody>
+            <a:bodyPr/>
+            <a:lstStyle/>
+            <a:p/>
+          </p:txBody>
+        </p:sp>
+        <p:sp>
+          <p:nvSpPr>
+            <p:cNvPr id="22" name="rc22"/>
+            <p:cNvSpPr/>
+            <p:nvPr/>
+          </p:nvSpPr>
+          <p:spPr>
+            <a:xfrm>
+              <a:off x="2023549" y="1674957"/>
+              <a:ext cx="6777983" cy="506038"/>
+            </a:xfrm>
+            <a:prstGeom prst="rect">
+              <a:avLst/>
+            </a:prstGeom>
+            <a:solidFill>
+              <a:srgbClr val="595959">
+                <a:alpha val="100000"/>
+              </a:srgbClr>
+            </a:solidFill>
+          </p:spPr>
+          <p:txBody>
+            <a:bodyPr/>
+            <a:lstStyle/>
+            <a:p/>
+          </p:txBody>
+        </p:sp>
+        <p:sp>
+          <p:nvSpPr>
+            <p:cNvPr id="23" name="rc23"/>
+            <p:cNvSpPr/>
+            <p:nvPr/>
+          </p:nvSpPr>
+          <p:spPr>
+            <a:xfrm>
+              <a:off x="2023549" y="2237222"/>
+              <a:ext cx="6352504" cy="506038"/>
+            </a:xfrm>
+            <a:prstGeom prst="rect">
+              <a:avLst/>
+            </a:prstGeom>
+            <a:solidFill>
+              <a:srgbClr val="595959">
+                <a:alpha val="100000"/>
+              </a:srgbClr>
+            </a:solidFill>
+          </p:spPr>
+          <p:txBody>
+            <a:bodyPr/>
+            <a:lstStyle/>
+            <a:p/>
+          </p:txBody>
+        </p:sp>
+        <p:sp>
+          <p:nvSpPr>
+            <p:cNvPr id="24" name="rc24"/>
+            <p:cNvSpPr/>
+            <p:nvPr/>
+          </p:nvSpPr>
+          <p:spPr>
+            <a:xfrm>
+              <a:off x="2023549" y="2799487"/>
+              <a:ext cx="4241599" cy="506038"/>
+            </a:xfrm>
+            <a:prstGeom prst="rect">
+              <a:avLst/>
+            </a:prstGeom>
+            <a:solidFill>
+              <a:srgbClr val="595959">
+                <a:alpha val="100000"/>
+              </a:srgbClr>
+            </a:solidFill>
+          </p:spPr>
+          <p:txBody>
+            <a:bodyPr/>
+            <a:lstStyle/>
+            <a:p/>
+          </p:txBody>
+        </p:sp>
+        <p:sp>
+          <p:nvSpPr>
+            <p:cNvPr id="25" name="rc25"/>
+            <p:cNvSpPr/>
+            <p:nvPr/>
+          </p:nvSpPr>
+          <p:spPr>
+            <a:xfrm>
+              <a:off x="2023549" y="3361753"/>
+              <a:ext cx="3680890" cy="506038"/>
+            </a:xfrm>
+            <a:prstGeom prst="rect">
+              <a:avLst/>
+            </a:prstGeom>
+            <a:solidFill>
+              <a:srgbClr val="595959">
+                <a:alpha val="100000"/>
+              </a:srgbClr>
+            </a:solidFill>
+          </p:spPr>
+          <p:txBody>
+            <a:bodyPr/>
+            <a:lstStyle/>
+            <a:p/>
+          </p:txBody>
+        </p:sp>
+        <p:sp>
+          <p:nvSpPr>
+            <p:cNvPr id="26" name="rc26"/>
+            <p:cNvSpPr/>
+            <p:nvPr/>
+          </p:nvSpPr>
+          <p:spPr>
+            <a:xfrm>
+              <a:off x="2023549" y="3924018"/>
+              <a:ext cx="3387342" cy="506038"/>
+            </a:xfrm>
+            <a:prstGeom prst="rect">
+              <a:avLst/>
+            </a:prstGeom>
+            <a:solidFill>
+              <a:srgbClr val="595959">
+                <a:alpha val="100000"/>
+              </a:srgbClr>
+            </a:solidFill>
+          </p:spPr>
+          <p:txBody>
+            <a:bodyPr/>
+            <a:lstStyle/>
+            <a:p/>
+          </p:txBody>
+        </p:sp>
+        <p:sp>
+          <p:nvSpPr>
+            <p:cNvPr id="27" name="rc27"/>
+            <p:cNvSpPr/>
+            <p:nvPr/>
+          </p:nvSpPr>
+          <p:spPr>
+            <a:xfrm>
+              <a:off x="2023549" y="4486283"/>
+              <a:ext cx="2849721" cy="506038"/>
+            </a:xfrm>
+            <a:prstGeom prst="rect">
+              <a:avLst/>
+            </a:prstGeom>
+            <a:solidFill>
+              <a:srgbClr val="595959">
+                <a:alpha val="100000"/>
+              </a:srgbClr>
+            </a:solidFill>
+          </p:spPr>
+          <p:txBody>
+            <a:bodyPr/>
+            <a:lstStyle/>
+            <a:p/>
+          </p:txBody>
+        </p:sp>
+        <p:sp>
+          <p:nvSpPr>
+            <p:cNvPr id="28" name="rc28"/>
+            <p:cNvSpPr/>
+            <p:nvPr/>
+          </p:nvSpPr>
+          <p:spPr>
+            <a:xfrm>
+              <a:off x="2023549" y="5048549"/>
+              <a:ext cx="2519892" cy="506038"/>
+            </a:xfrm>
+            <a:prstGeom prst="rect">
+              <a:avLst/>
+            </a:prstGeom>
+            <a:solidFill>
+              <a:srgbClr val="595959">
+                <a:alpha val="100000"/>
+              </a:srgbClr>
+            </a:solidFill>
+          </p:spPr>
+          <p:txBody>
+            <a:bodyPr/>
+            <a:lstStyle/>
+            <a:p/>
+          </p:txBody>
+        </p:sp>
+        <p:sp>
+          <p:nvSpPr>
+            <p:cNvPr id="29" name="tx29"/>
+            <p:cNvSpPr/>
+            <p:nvPr/>
+          </p:nvSpPr>
+          <p:spPr>
+            <a:xfrm>
+              <a:off x="8369865" y="1883502"/>
+              <a:ext cx="325215" cy="67753"/>
             </a:xfrm>
             <a:prstGeom prst="rect">
               <a:avLst/>
@@ -4579,7 +4102,7 @@
             <a:p>
               <a:pPr algn="l" marL="0" marR="0" indent="0">
                 <a:lnSpc>
-                  <a:spcPts val="1138"/>
+                  <a:spcPts val="853"/>
                 </a:lnSpc>
                 <a:spcBef>
                   <a:spcPts val="0"/>
@@ -4589,7 +4112,7 @@
                 </a:spcAft>
               </a:pPr>
               <a:r>
-                <a:rPr sz="1138">
+                <a:rPr sz="853" b="1">
                   <a:solidFill>
                     <a:srgbClr val="FFFFFF">
                       <a:alpha val="100000"/>
@@ -4598,21 +4121,21 @@
                   <a:latin typeface="Arial"/>
                   <a:cs typeface="Arial"/>
                 </a:rPr>
-                <a:t>21.2%</a:t>
+                <a:t>不好保存</a:t>
               </a:r>
             </a:p>
           </p:txBody>
         </p:sp>
         <p:sp>
           <p:nvSpPr>
-            <p:cNvPr id="9" name="tx9"/>
+            <p:cNvPr id="30" name="tx30"/>
             <p:cNvSpPr/>
             <p:nvPr/>
           </p:nvSpPr>
           <p:spPr>
             <a:xfrm>
-              <a:off x="5581624" y="4108390"/>
-              <a:ext cx="409835" cy="109040"/>
+              <a:off x="7700475" y="2445768"/>
+              <a:ext cx="569126" cy="67753"/>
             </a:xfrm>
             <a:prstGeom prst="rect">
               <a:avLst/>
@@ -4625,7 +4148,7 @@
             <a:p>
               <a:pPr algn="l" marL="0" marR="0" indent="0">
                 <a:lnSpc>
-                  <a:spcPts val="1138"/>
+                  <a:spcPts val="853"/>
                 </a:lnSpc>
                 <a:spcBef>
                   <a:spcPts val="0"/>
@@ -4635,7 +4158,7 @@
                 </a:spcAft>
               </a:pPr>
               <a:r>
-                <a:rPr sz="1138">
+                <a:rPr sz="853" b="1">
                   <a:solidFill>
                     <a:srgbClr val="FFFFFF">
                       <a:alpha val="100000"/>
@@ -4644,21 +4167,21 @@
                   <a:latin typeface="Arial"/>
                   <a:cs typeface="Arial"/>
                 </a:rPr>
-                <a:t>21.7%</a:t>
+                <a:t>携带和食用不便</a:t>
               </a:r>
             </a:p>
           </p:txBody>
         </p:sp>
         <p:sp>
           <p:nvSpPr>
-            <p:cNvPr id="10" name="tx10"/>
+            <p:cNvPr id="31" name="tx31"/>
             <p:cNvSpPr/>
             <p:nvPr/>
           </p:nvSpPr>
           <p:spPr>
             <a:xfrm>
-              <a:off x="4377545" y="4537064"/>
-              <a:ext cx="409835" cy="109040"/>
+              <a:off x="5914785" y="3008033"/>
+              <a:ext cx="243911" cy="67753"/>
             </a:xfrm>
             <a:prstGeom prst="rect">
               <a:avLst/>
@@ -4671,7 +4194,7 @@
             <a:p>
               <a:pPr algn="l" marL="0" marR="0" indent="0">
                 <a:lnSpc>
-                  <a:spcPts val="1138"/>
+                  <a:spcPts val="853"/>
                 </a:lnSpc>
                 <a:spcBef>
                   <a:spcPts val="0"/>
@@ -4681,7 +4204,7 @@
                 </a:spcAft>
               </a:pPr>
               <a:r>
-                <a:rPr sz="1138">
+                <a:rPr sz="853" b="1">
                   <a:solidFill>
                     <a:srgbClr val="FFFFFF">
                       <a:alpha val="100000"/>
@@ -4690,21 +4213,21 @@
                   <a:latin typeface="Arial"/>
                   <a:cs typeface="Arial"/>
                 </a:rPr>
-                <a:t>28.3%</a:t>
+                <a:t>价格贵</a:t>
               </a:r>
             </a:p>
           </p:txBody>
         </p:sp>
         <p:sp>
           <p:nvSpPr>
-            <p:cNvPr id="11" name="tx11"/>
+            <p:cNvPr id="32" name="tx32"/>
             <p:cNvSpPr/>
             <p:nvPr/>
           </p:nvSpPr>
           <p:spPr>
             <a:xfrm>
-              <a:off x="4054208" y="3161414"/>
-              <a:ext cx="409835" cy="109040"/>
+              <a:off x="4866253" y="3570299"/>
+              <a:ext cx="731733" cy="67753"/>
             </a:xfrm>
             <a:prstGeom prst="rect">
               <a:avLst/>
@@ -4717,7 +4240,7 @@
             <a:p>
               <a:pPr algn="l" marL="0" marR="0" indent="0">
                 <a:lnSpc>
-                  <a:spcPts val="1138"/>
+                  <a:spcPts val="853"/>
                 </a:lnSpc>
                 <a:spcBef>
                   <a:spcPts val="0"/>
@@ -4727,7 +4250,7 @@
                 </a:spcAft>
               </a:pPr>
               <a:r>
-                <a:rPr sz="1138">
+                <a:rPr sz="853" b="1">
                   <a:solidFill>
                     <a:srgbClr val="FFFFFF">
                       <a:alpha val="100000"/>
@@ -4736,21 +4259,21 @@
                   <a:latin typeface="Arial"/>
                   <a:cs typeface="Arial"/>
                 </a:rPr>
-                <a:t>28.8%</a:t>
+                <a:t>出现拉肚子等副作用</a:t>
               </a:r>
             </a:p>
           </p:txBody>
         </p:sp>
         <p:sp>
           <p:nvSpPr>
-            <p:cNvPr id="12" name="tx12"/>
+            <p:cNvPr id="33" name="tx33"/>
             <p:cNvSpPr/>
             <p:nvPr/>
           </p:nvSpPr>
           <p:spPr>
             <a:xfrm>
-              <a:off x="5322185" y="3006442"/>
-              <a:ext cx="409835" cy="109040"/>
+              <a:off x="5517344" y="4148084"/>
+              <a:ext cx="650430" cy="67753"/>
             </a:xfrm>
             <a:prstGeom prst="rect">
               <a:avLst/>
@@ -4763,7 +4286,7 @@
             <a:p>
               <a:pPr algn="l" marL="0" marR="0" indent="0">
                 <a:lnSpc>
-                  <a:spcPts val="1138"/>
+                  <a:spcPts val="853"/>
                 </a:lnSpc>
                 <a:spcBef>
                   <a:spcPts val="0"/>
@@ -4773,30 +4296,30 @@
                 </a:spcAft>
               </a:pPr>
               <a:r>
-                <a:rPr sz="1138">
+                <a:rPr sz="853">
                   <a:solidFill>
-                    <a:srgbClr val="FFFFFF">
+                    <a:srgbClr val="000000">
                       <a:alpha val="100000"/>
                     </a:srgbClr>
                   </a:solidFill>
                   <a:latin typeface="Arial"/>
                   <a:cs typeface="Arial"/>
                 </a:rPr>
-                <a:t>21.2%</a:t>
+                <a:t>没有不满意的地方</a:t>
               </a:r>
             </a:p>
           </p:txBody>
         </p:sp>
         <p:sp>
           <p:nvSpPr>
-            <p:cNvPr id="13" name="tx13"/>
+            <p:cNvPr id="34" name="tx34"/>
             <p:cNvSpPr/>
             <p:nvPr/>
           </p:nvSpPr>
           <p:spPr>
             <a:xfrm>
-              <a:off x="5579381" y="4105033"/>
-              <a:ext cx="409835" cy="109040"/>
+              <a:off x="4979723" y="4710349"/>
+              <a:ext cx="243911" cy="67753"/>
             </a:xfrm>
             <a:prstGeom prst="rect">
               <a:avLst/>
@@ -4809,7 +4332,7 @@
             <a:p>
               <a:pPr algn="l" marL="0" marR="0" indent="0">
                 <a:lnSpc>
-                  <a:spcPts val="1138"/>
+                  <a:spcPts val="853"/>
                 </a:lnSpc>
                 <a:spcBef>
                   <a:spcPts val="0"/>
@@ -4819,30 +4342,30 @@
                 </a:spcAft>
               </a:pPr>
               <a:r>
-                <a:rPr sz="1138">
+                <a:rPr sz="853">
                   <a:solidFill>
-                    <a:srgbClr val="FFFFFF">
+                    <a:srgbClr val="000000">
                       <a:alpha val="100000"/>
                     </a:srgbClr>
                   </a:solidFill>
                   <a:latin typeface="Arial"/>
                   <a:cs typeface="Arial"/>
                 </a:rPr>
-                <a:t>21.7%</a:t>
+                <a:t>不好吃</a:t>
               </a:r>
             </a:p>
           </p:txBody>
         </p:sp>
         <p:sp>
           <p:nvSpPr>
-            <p:cNvPr id="14" name="tx14"/>
+            <p:cNvPr id="35" name="tx35"/>
             <p:cNvSpPr/>
             <p:nvPr/>
           </p:nvSpPr>
           <p:spPr>
             <a:xfrm>
-              <a:off x="4375302" y="4533707"/>
-              <a:ext cx="409835" cy="109040"/>
+              <a:off x="4649894" y="5272614"/>
+              <a:ext cx="487822" cy="67753"/>
             </a:xfrm>
             <a:prstGeom prst="rect">
               <a:avLst/>
@@ -4855,7 +4378,7 @@
             <a:p>
               <a:pPr algn="l" marL="0" marR="0" indent="0">
                 <a:lnSpc>
-                  <a:spcPts val="1138"/>
+                  <a:spcPts val="853"/>
                 </a:lnSpc>
                 <a:spcBef>
                   <a:spcPts val="0"/>
@@ -4865,30 +4388,60 @@
                 </a:spcAft>
               </a:pPr>
               <a:r>
-                <a:rPr sz="1138">
+                <a:rPr sz="853">
                   <a:solidFill>
-                    <a:srgbClr val="FFFFFF">
+                    <a:srgbClr val="000000">
                       <a:alpha val="100000"/>
                     </a:srgbClr>
                   </a:solidFill>
                   <a:latin typeface="Arial"/>
                   <a:cs typeface="Arial"/>
                 </a:rPr>
-                <a:t>28.3%</a:t>
+                <a:t>吃了没啥效果</a:t>
               </a:r>
             </a:p>
           </p:txBody>
         </p:sp>
         <p:sp>
           <p:nvSpPr>
-            <p:cNvPr id="15" name="tx15"/>
+            <p:cNvPr id="36" name="rc36"/>
             <p:cNvSpPr/>
             <p:nvPr/>
           </p:nvSpPr>
           <p:spPr>
             <a:xfrm>
-              <a:off x="4051965" y="3158057"/>
-              <a:ext cx="409835" cy="109040"/>
+              <a:off x="2023549" y="1590617"/>
+              <a:ext cx="6913543" cy="4048310"/>
+            </a:xfrm>
+            <a:prstGeom prst="rect">
+              <a:avLst/>
+            </a:prstGeom>
+            <a:ln w="13550" cap="rnd">
+              <a:solidFill>
+                <a:srgbClr val="B3B3B3">
+                  <a:alpha val="100000"/>
+                </a:srgbClr>
+              </a:solidFill>
+              <a:prstDash val="solid"/>
+              <a:round/>
+            </a:ln>
+          </p:spPr>
+          <p:txBody>
+            <a:bodyPr/>
+            <a:lstStyle/>
+            <a:p/>
+          </p:txBody>
+        </p:sp>
+        <p:sp>
+          <p:nvSpPr>
+            <p:cNvPr id="37" name="tx37"/>
+            <p:cNvSpPr/>
+            <p:nvPr/>
+          </p:nvSpPr>
+          <p:spPr>
+            <a:xfrm>
+              <a:off x="1926599" y="5262660"/>
+              <a:ext cx="62155" cy="78908"/>
             </a:xfrm>
             <a:prstGeom prst="rect">
               <a:avLst/>
@@ -4901,7 +4454,7 @@
             <a:p>
               <a:pPr algn="l" marL="0" marR="0" indent="0">
                 <a:lnSpc>
-                  <a:spcPts val="1138"/>
+                  <a:spcPts val="880"/>
                 </a:lnSpc>
                 <a:spcBef>
                   <a:spcPts val="0"/>
@@ -4911,30 +4464,30 @@
                 </a:spcAft>
               </a:pPr>
               <a:r>
-                <a:rPr sz="1138">
+                <a:rPr sz="880" b="1">
                   <a:solidFill>
-                    <a:srgbClr val="FFFFFF">
+                    <a:srgbClr val="4D4D4D">
                       <a:alpha val="100000"/>
                     </a:srgbClr>
                   </a:solidFill>
                   <a:latin typeface="Arial"/>
                   <a:cs typeface="Arial"/>
                 </a:rPr>
-                <a:t>28.8%</a:t>
+                <a:t>7</a:t>
               </a:r>
             </a:p>
           </p:txBody>
         </p:sp>
         <p:sp>
           <p:nvSpPr>
-            <p:cNvPr id="16" name="tx16"/>
+            <p:cNvPr id="38" name="tx38"/>
             <p:cNvSpPr/>
             <p:nvPr/>
           </p:nvSpPr>
           <p:spPr>
             <a:xfrm>
-              <a:off x="5318828" y="3004199"/>
-              <a:ext cx="409835" cy="109040"/>
+              <a:off x="1926599" y="4697611"/>
+              <a:ext cx="62155" cy="81691"/>
             </a:xfrm>
             <a:prstGeom prst="rect">
               <a:avLst/>
@@ -4947,7 +4500,7 @@
             <a:p>
               <a:pPr algn="l" marL="0" marR="0" indent="0">
                 <a:lnSpc>
-                  <a:spcPts val="1138"/>
+                  <a:spcPts val="880"/>
                 </a:lnSpc>
                 <a:spcBef>
                   <a:spcPts val="0"/>
@@ -4957,30 +4510,30 @@
                 </a:spcAft>
               </a:pPr>
               <a:r>
-                <a:rPr sz="1138">
+                <a:rPr sz="880" b="1">
                   <a:solidFill>
-                    <a:srgbClr val="FFFFFF">
+                    <a:srgbClr val="4D4D4D">
                       <a:alpha val="100000"/>
                     </a:srgbClr>
                   </a:solidFill>
                   <a:latin typeface="Arial"/>
                   <a:cs typeface="Arial"/>
                 </a:rPr>
-                <a:t>21.2%</a:t>
+                <a:t>6</a:t>
               </a:r>
             </a:p>
           </p:txBody>
         </p:sp>
         <p:sp>
           <p:nvSpPr>
-            <p:cNvPr id="17" name="tx17"/>
+            <p:cNvPr id="39" name="tx39"/>
             <p:cNvSpPr/>
             <p:nvPr/>
           </p:nvSpPr>
           <p:spPr>
             <a:xfrm>
-              <a:off x="5576025" y="4102790"/>
-              <a:ext cx="409835" cy="109040"/>
+              <a:off x="1926599" y="4136765"/>
+              <a:ext cx="62155" cy="80272"/>
             </a:xfrm>
             <a:prstGeom prst="rect">
               <a:avLst/>
@@ -4993,7 +4546,7 @@
             <a:p>
               <a:pPr algn="l" marL="0" marR="0" indent="0">
                 <a:lnSpc>
-                  <a:spcPts val="1138"/>
+                  <a:spcPts val="880"/>
                 </a:lnSpc>
                 <a:spcBef>
                   <a:spcPts val="0"/>
@@ -5003,30 +4556,30 @@
                 </a:spcAft>
               </a:pPr>
               <a:r>
-                <a:rPr sz="1138">
+                <a:rPr sz="880" b="1">
                   <a:solidFill>
-                    <a:srgbClr val="FFFFFF">
+                    <a:srgbClr val="4D4D4D">
                       <a:alpha val="100000"/>
                     </a:srgbClr>
                   </a:solidFill>
                   <a:latin typeface="Arial"/>
                   <a:cs typeface="Arial"/>
                 </a:rPr>
-                <a:t>21.7%</a:t>
+                <a:t>5</a:t>
               </a:r>
             </a:p>
           </p:txBody>
         </p:sp>
         <p:sp>
           <p:nvSpPr>
-            <p:cNvPr id="18" name="tx18"/>
+            <p:cNvPr id="40" name="tx40"/>
             <p:cNvSpPr/>
             <p:nvPr/>
           </p:nvSpPr>
           <p:spPr>
             <a:xfrm>
-              <a:off x="4371946" y="4531464"/>
-              <a:ext cx="409835" cy="109040"/>
+              <a:off x="1926599" y="3574445"/>
+              <a:ext cx="62155" cy="80327"/>
             </a:xfrm>
             <a:prstGeom prst="rect">
               <a:avLst/>
@@ -5039,7 +4592,7 @@
             <a:p>
               <a:pPr algn="l" marL="0" marR="0" indent="0">
                 <a:lnSpc>
-                  <a:spcPts val="1138"/>
+                  <a:spcPts val="880"/>
                 </a:lnSpc>
                 <a:spcBef>
                   <a:spcPts val="0"/>
@@ -5049,30 +4602,30 @@
                 </a:spcAft>
               </a:pPr>
               <a:r>
-                <a:rPr sz="1138">
+                <a:rPr sz="880" b="1">
                   <a:solidFill>
-                    <a:srgbClr val="FFFFFF">
+                    <a:srgbClr val="4D4D4D">
                       <a:alpha val="100000"/>
                     </a:srgbClr>
                   </a:solidFill>
                   <a:latin typeface="Arial"/>
                   <a:cs typeface="Arial"/>
                 </a:rPr>
-                <a:t>28.3%</a:t>
+                <a:t>4</a:t>
               </a:r>
             </a:p>
           </p:txBody>
         </p:sp>
         <p:sp>
           <p:nvSpPr>
-            <p:cNvPr id="19" name="tx19"/>
+            <p:cNvPr id="41" name="tx41"/>
             <p:cNvSpPr/>
             <p:nvPr/>
           </p:nvSpPr>
           <p:spPr>
             <a:xfrm>
-              <a:off x="4048609" y="3155815"/>
-              <a:ext cx="409835" cy="109040"/>
+              <a:off x="1926599" y="3010815"/>
+              <a:ext cx="62155" cy="81691"/>
             </a:xfrm>
             <a:prstGeom prst="rect">
               <a:avLst/>
@@ -5085,7 +4638,7 @@
             <a:p>
               <a:pPr algn="l" marL="0" marR="0" indent="0">
                 <a:lnSpc>
-                  <a:spcPts val="1138"/>
+                  <a:spcPts val="880"/>
                 </a:lnSpc>
                 <a:spcBef>
                   <a:spcPts val="0"/>
@@ -5095,30 +4648,30 @@
                 </a:spcAft>
               </a:pPr>
               <a:r>
-                <a:rPr sz="1138">
+                <a:rPr sz="880" b="1">
                   <a:solidFill>
-                    <a:srgbClr val="FFFFFF">
+                    <a:srgbClr val="4D4D4D">
                       <a:alpha val="100000"/>
                     </a:srgbClr>
                   </a:solidFill>
                   <a:latin typeface="Arial"/>
                   <a:cs typeface="Arial"/>
                 </a:rPr>
-                <a:t>28.8%</a:t>
+                <a:t>3</a:t>
               </a:r>
             </a:p>
           </p:txBody>
         </p:sp>
         <p:sp>
           <p:nvSpPr>
-            <p:cNvPr id="20" name="tx20"/>
+            <p:cNvPr id="42" name="tx42"/>
             <p:cNvSpPr/>
             <p:nvPr/>
           </p:nvSpPr>
           <p:spPr>
             <a:xfrm>
-              <a:off x="5314869" y="3003411"/>
-              <a:ext cx="409835" cy="109040"/>
+              <a:off x="1926599" y="2449914"/>
+              <a:ext cx="62155" cy="80327"/>
             </a:xfrm>
             <a:prstGeom prst="rect">
               <a:avLst/>
@@ -5131,7 +4684,7 @@
             <a:p>
               <a:pPr algn="l" marL="0" marR="0" indent="0">
                 <a:lnSpc>
-                  <a:spcPts val="1138"/>
+                  <a:spcPts val="880"/>
                 </a:lnSpc>
                 <a:spcBef>
                   <a:spcPts val="0"/>
@@ -5141,30 +4694,30 @@
                 </a:spcAft>
               </a:pPr>
               <a:r>
-                <a:rPr sz="1138">
+                <a:rPr sz="880" b="1">
                   <a:solidFill>
-                    <a:srgbClr val="FFFFFF">
+                    <a:srgbClr val="4D4D4D">
                       <a:alpha val="100000"/>
                     </a:srgbClr>
                   </a:solidFill>
                   <a:latin typeface="Arial"/>
                   <a:cs typeface="Arial"/>
                 </a:rPr>
-                <a:t>21.2%</a:t>
+                <a:t>2</a:t>
               </a:r>
             </a:p>
           </p:txBody>
         </p:sp>
         <p:sp>
           <p:nvSpPr>
-            <p:cNvPr id="21" name="tx21"/>
+            <p:cNvPr id="43" name="tx43"/>
             <p:cNvSpPr/>
             <p:nvPr/>
           </p:nvSpPr>
           <p:spPr>
             <a:xfrm>
-              <a:off x="5572065" y="4102003"/>
-              <a:ext cx="409835" cy="109040"/>
+              <a:off x="1926599" y="1887649"/>
+              <a:ext cx="62155" cy="80327"/>
             </a:xfrm>
             <a:prstGeom prst="rect">
               <a:avLst/>
@@ -5177,7 +4730,7 @@
             <a:p>
               <a:pPr algn="l" marL="0" marR="0" indent="0">
                 <a:lnSpc>
-                  <a:spcPts val="1138"/>
+                  <a:spcPts val="880"/>
                 </a:lnSpc>
                 <a:spcBef>
                   <a:spcPts val="0"/>
@@ -5187,1582 +4740,498 @@
                 </a:spcAft>
               </a:pPr>
               <a:r>
-                <a:rPr sz="1138">
+                <a:rPr sz="880" b="1">
                   <a:solidFill>
-                    <a:srgbClr val="FFFFFF">
+                    <a:srgbClr val="4D4D4D">
                       <a:alpha val="100000"/>
                     </a:srgbClr>
                   </a:solidFill>
                   <a:latin typeface="Arial"/>
                   <a:cs typeface="Arial"/>
                 </a:rPr>
-                <a:t>21.7%</a:t>
+                <a:t>1</a:t>
               </a:r>
             </a:p>
           </p:txBody>
         </p:sp>
         <p:sp>
           <p:nvSpPr>
-            <p:cNvPr id="22" name="tx22"/>
+            <p:cNvPr id="44" name="pl44"/>
             <p:cNvSpPr/>
             <p:nvPr/>
           </p:nvSpPr>
           <p:spPr>
             <a:xfrm>
-              <a:off x="4367986" y="4530676"/>
-              <a:ext cx="409835" cy="109040"/>
+              <a:off x="1988754" y="5301568"/>
+              <a:ext cx="34794" cy="0"/>
             </a:xfrm>
-            <a:prstGeom prst="rect">
+            <a:custGeom>
               <a:avLst/>
-            </a:prstGeom>
-            <a:noFill/>
+              <a:pathLst>
+                <a:path w="34794" h="0">
+                  <a:moveTo>
+                    <a:pt x="0" y="0"/>
+                  </a:moveTo>
+                  <a:lnTo>
+                    <a:pt x="34794" y="0"/>
+                  </a:lnTo>
+                </a:path>
+              </a:pathLst>
+            </a:custGeom>
+            <a:ln w="6775" cap="flat">
+              <a:solidFill>
+                <a:srgbClr val="B3B3B3">
+                  <a:alpha val="100000"/>
+                </a:srgbClr>
+              </a:solidFill>
+              <a:prstDash val="solid"/>
+              <a:round/>
+            </a:ln>
           </p:spPr>
           <p:txBody>
-            <a:bodyPr lIns="0" rIns="0" tIns="0" bIns="0" anchorCtr="1" anchor="ctr" wrap="none"/>
+            <a:bodyPr/>
             <a:lstStyle/>
-            <a:p>
-              <a:pPr algn="l" marL="0" marR="0" indent="0">
-                <a:lnSpc>
-                  <a:spcPts val="1138"/>
-                </a:lnSpc>
-                <a:spcBef>
-                  <a:spcPts val="0"/>
-                </a:spcBef>
-                <a:spcAft>
-                  <a:spcPts val="0"/>
-                </a:spcAft>
-              </a:pPr>
-              <a:r>
-                <a:rPr sz="1138">
-                  <a:solidFill>
-                    <a:srgbClr val="FFFFFF">
-                      <a:alpha val="100000"/>
-                    </a:srgbClr>
-                  </a:solidFill>
-                  <a:latin typeface="Arial"/>
-                  <a:cs typeface="Arial"/>
-                </a:rPr>
-                <a:t>28.3%</a:t>
-              </a:r>
-            </a:p>
+            <a:p/>
           </p:txBody>
         </p:sp>
         <p:sp>
           <p:nvSpPr>
-            <p:cNvPr id="23" name="tx23"/>
+            <p:cNvPr id="45" name="pl45"/>
             <p:cNvSpPr/>
             <p:nvPr/>
           </p:nvSpPr>
           <p:spPr>
             <a:xfrm>
-              <a:off x="4044649" y="3155027"/>
-              <a:ext cx="409835" cy="109040"/>
+              <a:off x="1988754" y="4739303"/>
+              <a:ext cx="34794" cy="0"/>
             </a:xfrm>
-            <a:prstGeom prst="rect">
+            <a:custGeom>
               <a:avLst/>
-            </a:prstGeom>
-            <a:noFill/>
+              <a:pathLst>
+                <a:path w="34794" h="0">
+                  <a:moveTo>
+                    <a:pt x="0" y="0"/>
+                  </a:moveTo>
+                  <a:lnTo>
+                    <a:pt x="34794" y="0"/>
+                  </a:lnTo>
+                </a:path>
+              </a:pathLst>
+            </a:custGeom>
+            <a:ln w="6775" cap="flat">
+              <a:solidFill>
+                <a:srgbClr val="B3B3B3">
+                  <a:alpha val="100000"/>
+                </a:srgbClr>
+              </a:solidFill>
+              <a:prstDash val="solid"/>
+              <a:round/>
+            </a:ln>
           </p:spPr>
           <p:txBody>
-            <a:bodyPr lIns="0" rIns="0" tIns="0" bIns="0" anchorCtr="1" anchor="ctr" wrap="none"/>
+            <a:bodyPr/>
             <a:lstStyle/>
-            <a:p>
-              <a:pPr algn="l" marL="0" marR="0" indent="0">
-                <a:lnSpc>
-                  <a:spcPts val="1138"/>
-                </a:lnSpc>
-                <a:spcBef>
-                  <a:spcPts val="0"/>
-                </a:spcBef>
-                <a:spcAft>
-                  <a:spcPts val="0"/>
-                </a:spcAft>
-              </a:pPr>
-              <a:r>
-                <a:rPr sz="1138">
-                  <a:solidFill>
-                    <a:srgbClr val="FFFFFF">
-                      <a:alpha val="100000"/>
-                    </a:srgbClr>
-                  </a:solidFill>
-                  <a:latin typeface="Arial"/>
-                  <a:cs typeface="Arial"/>
-                </a:rPr>
-                <a:t>28.8%</a:t>
-              </a:r>
-            </a:p>
+            <a:p/>
           </p:txBody>
         </p:sp>
         <p:sp>
           <p:nvSpPr>
-            <p:cNvPr id="24" name="tx24"/>
+            <p:cNvPr id="46" name="pl46"/>
             <p:cNvSpPr/>
             <p:nvPr/>
           </p:nvSpPr>
           <p:spPr>
             <a:xfrm>
-              <a:off x="5310909" y="3004199"/>
-              <a:ext cx="409835" cy="109040"/>
+              <a:off x="1988754" y="4177037"/>
+              <a:ext cx="34794" cy="0"/>
             </a:xfrm>
-            <a:prstGeom prst="rect">
+            <a:custGeom>
               <a:avLst/>
-            </a:prstGeom>
-            <a:noFill/>
+              <a:pathLst>
+                <a:path w="34794" h="0">
+                  <a:moveTo>
+                    <a:pt x="0" y="0"/>
+                  </a:moveTo>
+                  <a:lnTo>
+                    <a:pt x="34794" y="0"/>
+                  </a:lnTo>
+                </a:path>
+              </a:pathLst>
+            </a:custGeom>
+            <a:ln w="6775" cap="flat">
+              <a:solidFill>
+                <a:srgbClr val="B3B3B3">
+                  <a:alpha val="100000"/>
+                </a:srgbClr>
+              </a:solidFill>
+              <a:prstDash val="solid"/>
+              <a:round/>
+            </a:ln>
           </p:spPr>
           <p:txBody>
-            <a:bodyPr lIns="0" rIns="0" tIns="0" bIns="0" anchorCtr="1" anchor="ctr" wrap="none"/>
+            <a:bodyPr/>
             <a:lstStyle/>
-            <a:p>
-              <a:pPr algn="l" marL="0" marR="0" indent="0">
-                <a:lnSpc>
-                  <a:spcPts val="1138"/>
-                </a:lnSpc>
-                <a:spcBef>
-                  <a:spcPts val="0"/>
-                </a:spcBef>
-                <a:spcAft>
-                  <a:spcPts val="0"/>
-                </a:spcAft>
-              </a:pPr>
-              <a:r>
-                <a:rPr sz="1138">
-                  <a:solidFill>
-                    <a:srgbClr val="FFFFFF">
-                      <a:alpha val="100000"/>
-                    </a:srgbClr>
-                  </a:solidFill>
-                  <a:latin typeface="Arial"/>
-                  <a:cs typeface="Arial"/>
-                </a:rPr>
-                <a:t>21.2%</a:t>
-              </a:r>
-            </a:p>
+            <a:p/>
           </p:txBody>
         </p:sp>
         <p:sp>
           <p:nvSpPr>
-            <p:cNvPr id="25" name="tx25"/>
+            <p:cNvPr id="47" name="pl47"/>
             <p:cNvSpPr/>
             <p:nvPr/>
           </p:nvSpPr>
           <p:spPr>
             <a:xfrm>
-              <a:off x="5568106" y="4102790"/>
-              <a:ext cx="409835" cy="109040"/>
+              <a:off x="1988754" y="3614772"/>
+              <a:ext cx="34794" cy="0"/>
             </a:xfrm>
-            <a:prstGeom prst="rect">
+            <a:custGeom>
               <a:avLst/>
-            </a:prstGeom>
-            <a:noFill/>
+              <a:pathLst>
+                <a:path w="34794" h="0">
+                  <a:moveTo>
+                    <a:pt x="0" y="0"/>
+                  </a:moveTo>
+                  <a:lnTo>
+                    <a:pt x="34794" y="0"/>
+                  </a:lnTo>
+                </a:path>
+              </a:pathLst>
+            </a:custGeom>
+            <a:ln w="6775" cap="flat">
+              <a:solidFill>
+                <a:srgbClr val="B3B3B3">
+                  <a:alpha val="100000"/>
+                </a:srgbClr>
+              </a:solidFill>
+              <a:prstDash val="solid"/>
+              <a:round/>
+            </a:ln>
           </p:spPr>
           <p:txBody>
-            <a:bodyPr lIns="0" rIns="0" tIns="0" bIns="0" anchorCtr="1" anchor="ctr" wrap="none"/>
+            <a:bodyPr/>
             <a:lstStyle/>
-            <a:p>
-              <a:pPr algn="l" marL="0" marR="0" indent="0">
-                <a:lnSpc>
-                  <a:spcPts val="1138"/>
-                </a:lnSpc>
-                <a:spcBef>
-                  <a:spcPts val="0"/>
-                </a:spcBef>
-                <a:spcAft>
-                  <a:spcPts val="0"/>
-                </a:spcAft>
-              </a:pPr>
-              <a:r>
-                <a:rPr sz="1138">
-                  <a:solidFill>
-                    <a:srgbClr val="FFFFFF">
-                      <a:alpha val="100000"/>
-                    </a:srgbClr>
-                  </a:solidFill>
-                  <a:latin typeface="Arial"/>
-                  <a:cs typeface="Arial"/>
-                </a:rPr>
-                <a:t>21.7%</a:t>
-              </a:r>
-            </a:p>
+            <a:p/>
           </p:txBody>
         </p:sp>
         <p:sp>
           <p:nvSpPr>
-            <p:cNvPr id="26" name="tx26"/>
+            <p:cNvPr id="48" name="pl48"/>
             <p:cNvSpPr/>
             <p:nvPr/>
           </p:nvSpPr>
           <p:spPr>
             <a:xfrm>
-              <a:off x="4364027" y="4531464"/>
-              <a:ext cx="409835" cy="109040"/>
+              <a:off x="1988754" y="3052507"/>
+              <a:ext cx="34794" cy="0"/>
             </a:xfrm>
-            <a:prstGeom prst="rect">
+            <a:custGeom>
               <a:avLst/>
-            </a:prstGeom>
-            <a:noFill/>
+              <a:pathLst>
+                <a:path w="34794" h="0">
+                  <a:moveTo>
+                    <a:pt x="0" y="0"/>
+                  </a:moveTo>
+                  <a:lnTo>
+                    <a:pt x="34794" y="0"/>
+                  </a:lnTo>
+                </a:path>
+              </a:pathLst>
+            </a:custGeom>
+            <a:ln w="6775" cap="flat">
+              <a:solidFill>
+                <a:srgbClr val="B3B3B3">
+                  <a:alpha val="100000"/>
+                </a:srgbClr>
+              </a:solidFill>
+              <a:prstDash val="solid"/>
+              <a:round/>
+            </a:ln>
           </p:spPr>
           <p:txBody>
-            <a:bodyPr lIns="0" rIns="0" tIns="0" bIns="0" anchorCtr="1" anchor="ctr" wrap="none"/>
+            <a:bodyPr/>
             <a:lstStyle/>
-            <a:p>
-              <a:pPr algn="l" marL="0" marR="0" indent="0">
-                <a:lnSpc>
-                  <a:spcPts val="1138"/>
-                </a:lnSpc>
-                <a:spcBef>
-                  <a:spcPts val="0"/>
-                </a:spcBef>
-                <a:spcAft>
-                  <a:spcPts val="0"/>
-                </a:spcAft>
-              </a:pPr>
-              <a:r>
-                <a:rPr sz="1138">
-                  <a:solidFill>
-                    <a:srgbClr val="FFFFFF">
-                      <a:alpha val="100000"/>
-                    </a:srgbClr>
-                  </a:solidFill>
-                  <a:latin typeface="Arial"/>
-                  <a:cs typeface="Arial"/>
-                </a:rPr>
-                <a:t>28.3%</a:t>
-              </a:r>
-            </a:p>
+            <a:p/>
           </p:txBody>
         </p:sp>
         <p:sp>
           <p:nvSpPr>
-            <p:cNvPr id="27" name="tx27"/>
+            <p:cNvPr id="49" name="pl49"/>
             <p:cNvSpPr/>
             <p:nvPr/>
           </p:nvSpPr>
           <p:spPr>
             <a:xfrm>
-              <a:off x="4040690" y="3155815"/>
-              <a:ext cx="409835" cy="109040"/>
+              <a:off x="1988754" y="2490241"/>
+              <a:ext cx="34794" cy="0"/>
             </a:xfrm>
-            <a:prstGeom prst="rect">
+            <a:custGeom>
               <a:avLst/>
-            </a:prstGeom>
-            <a:noFill/>
+              <a:pathLst>
+                <a:path w="34794" h="0">
+                  <a:moveTo>
+                    <a:pt x="0" y="0"/>
+                  </a:moveTo>
+                  <a:lnTo>
+                    <a:pt x="34794" y="0"/>
+                  </a:lnTo>
+                </a:path>
+              </a:pathLst>
+            </a:custGeom>
+            <a:ln w="6775" cap="flat">
+              <a:solidFill>
+                <a:srgbClr val="B3B3B3">
+                  <a:alpha val="100000"/>
+                </a:srgbClr>
+              </a:solidFill>
+              <a:prstDash val="solid"/>
+              <a:round/>
+            </a:ln>
           </p:spPr>
           <p:txBody>
-            <a:bodyPr lIns="0" rIns="0" tIns="0" bIns="0" anchorCtr="1" anchor="ctr" wrap="none"/>
+            <a:bodyPr/>
             <a:lstStyle/>
-            <a:p>
-              <a:pPr algn="l" marL="0" marR="0" indent="0">
-                <a:lnSpc>
-                  <a:spcPts val="1138"/>
-                </a:lnSpc>
-                <a:spcBef>
-                  <a:spcPts val="0"/>
-                </a:spcBef>
-                <a:spcAft>
-                  <a:spcPts val="0"/>
-                </a:spcAft>
-              </a:pPr>
-              <a:r>
-                <a:rPr sz="1138">
-                  <a:solidFill>
-                    <a:srgbClr val="FFFFFF">
-                      <a:alpha val="100000"/>
-                    </a:srgbClr>
-                  </a:solidFill>
-                  <a:latin typeface="Arial"/>
-                  <a:cs typeface="Arial"/>
-                </a:rPr>
-                <a:t>28.8%</a:t>
-              </a:r>
-            </a:p>
+            <a:p/>
           </p:txBody>
         </p:sp>
         <p:sp>
           <p:nvSpPr>
-            <p:cNvPr id="28" name="tx28"/>
+            <p:cNvPr id="50" name="pl50"/>
             <p:cNvSpPr/>
             <p:nvPr/>
           </p:nvSpPr>
           <p:spPr>
             <a:xfrm>
-              <a:off x="5307553" y="3006442"/>
-              <a:ext cx="409835" cy="109040"/>
+              <a:off x="1988754" y="1927976"/>
+              <a:ext cx="34794" cy="0"/>
             </a:xfrm>
-            <a:prstGeom prst="rect">
+            <a:custGeom>
               <a:avLst/>
-            </a:prstGeom>
-            <a:noFill/>
+              <a:pathLst>
+                <a:path w="34794" h="0">
+                  <a:moveTo>
+                    <a:pt x="0" y="0"/>
+                  </a:moveTo>
+                  <a:lnTo>
+                    <a:pt x="34794" y="0"/>
+                  </a:lnTo>
+                </a:path>
+              </a:pathLst>
+            </a:custGeom>
+            <a:ln w="6775" cap="flat">
+              <a:solidFill>
+                <a:srgbClr val="B3B3B3">
+                  <a:alpha val="100000"/>
+                </a:srgbClr>
+              </a:solidFill>
+              <a:prstDash val="solid"/>
+              <a:round/>
+            </a:ln>
           </p:spPr>
           <p:txBody>
-            <a:bodyPr lIns="0" rIns="0" tIns="0" bIns="0" anchorCtr="1" anchor="ctr" wrap="none"/>
+            <a:bodyPr/>
             <a:lstStyle/>
-            <a:p>
-              <a:pPr algn="l" marL="0" marR="0" indent="0">
-                <a:lnSpc>
-                  <a:spcPts val="1138"/>
-                </a:lnSpc>
-                <a:spcBef>
-                  <a:spcPts val="0"/>
-                </a:spcBef>
-                <a:spcAft>
-                  <a:spcPts val="0"/>
-                </a:spcAft>
-              </a:pPr>
-              <a:r>
-                <a:rPr sz="1138">
-                  <a:solidFill>
-                    <a:srgbClr val="FFFFFF">
-                      <a:alpha val="100000"/>
-                    </a:srgbClr>
-                  </a:solidFill>
-                  <a:latin typeface="Arial"/>
-                  <a:cs typeface="Arial"/>
-                </a:rPr>
-                <a:t>21.2%</a:t>
-              </a:r>
-            </a:p>
+            <a:p/>
           </p:txBody>
         </p:sp>
         <p:sp>
           <p:nvSpPr>
-            <p:cNvPr id="29" name="tx29"/>
+            <p:cNvPr id="51" name="pl51"/>
             <p:cNvSpPr/>
             <p:nvPr/>
           </p:nvSpPr>
           <p:spPr>
             <a:xfrm>
-              <a:off x="5564749" y="4105033"/>
-              <a:ext cx="409835" cy="109040"/>
+              <a:off x="2023549" y="5638927"/>
+              <a:ext cx="0" cy="34794"/>
             </a:xfrm>
-            <a:prstGeom prst="rect">
+            <a:custGeom>
               <a:avLst/>
-            </a:prstGeom>
-            <a:noFill/>
+              <a:pathLst>
+                <a:path w="0" h="34794">
+                  <a:moveTo>
+                    <a:pt x="0" y="34794"/>
+                  </a:moveTo>
+                  <a:lnTo>
+                    <a:pt x="0" y="0"/>
+                  </a:lnTo>
+                </a:path>
+              </a:pathLst>
+            </a:custGeom>
+            <a:ln w="6775" cap="flat">
+              <a:solidFill>
+                <a:srgbClr val="B3B3B3">
+                  <a:alpha val="100000"/>
+                </a:srgbClr>
+              </a:solidFill>
+              <a:prstDash val="solid"/>
+              <a:round/>
+            </a:ln>
           </p:spPr>
           <p:txBody>
-            <a:bodyPr lIns="0" rIns="0" tIns="0" bIns="0" anchorCtr="1" anchor="ctr" wrap="none"/>
+            <a:bodyPr/>
             <a:lstStyle/>
-            <a:p>
-              <a:pPr algn="l" marL="0" marR="0" indent="0">
-                <a:lnSpc>
-                  <a:spcPts val="1138"/>
-                </a:lnSpc>
-                <a:spcBef>
-                  <a:spcPts val="0"/>
-                </a:spcBef>
-                <a:spcAft>
-                  <a:spcPts val="0"/>
-                </a:spcAft>
-              </a:pPr>
-              <a:r>
-                <a:rPr sz="1138">
-                  <a:solidFill>
-                    <a:srgbClr val="FFFFFF">
-                      <a:alpha val="100000"/>
-                    </a:srgbClr>
-                  </a:solidFill>
-                  <a:latin typeface="Arial"/>
-                  <a:cs typeface="Arial"/>
-                </a:rPr>
-                <a:t>21.7%</a:t>
-              </a:r>
-            </a:p>
+            <a:p/>
           </p:txBody>
         </p:sp>
         <p:sp>
           <p:nvSpPr>
-            <p:cNvPr id="30" name="tx30"/>
+            <p:cNvPr id="52" name="pl52"/>
             <p:cNvSpPr/>
             <p:nvPr/>
           </p:nvSpPr>
           <p:spPr>
             <a:xfrm>
-              <a:off x="4360670" y="4533707"/>
-              <a:ext cx="409835" cy="109040"/>
+              <a:off x="3672693" y="5638927"/>
+              <a:ext cx="0" cy="34794"/>
             </a:xfrm>
-            <a:prstGeom prst="rect">
+            <a:custGeom>
               <a:avLst/>
-            </a:prstGeom>
-            <a:noFill/>
+              <a:pathLst>
+                <a:path w="0" h="34794">
+                  <a:moveTo>
+                    <a:pt x="0" y="34794"/>
+                  </a:moveTo>
+                  <a:lnTo>
+                    <a:pt x="0" y="0"/>
+                  </a:lnTo>
+                </a:path>
+              </a:pathLst>
+            </a:custGeom>
+            <a:ln w="6775" cap="flat">
+              <a:solidFill>
+                <a:srgbClr val="B3B3B3">
+                  <a:alpha val="100000"/>
+                </a:srgbClr>
+              </a:solidFill>
+              <a:prstDash val="solid"/>
+              <a:round/>
+            </a:ln>
           </p:spPr>
           <p:txBody>
-            <a:bodyPr lIns="0" rIns="0" tIns="0" bIns="0" anchorCtr="1" anchor="ctr" wrap="none"/>
+            <a:bodyPr/>
             <a:lstStyle/>
-            <a:p>
-              <a:pPr algn="l" marL="0" marR="0" indent="0">
-                <a:lnSpc>
-                  <a:spcPts val="1138"/>
-                </a:lnSpc>
-                <a:spcBef>
-                  <a:spcPts val="0"/>
-                </a:spcBef>
-                <a:spcAft>
-                  <a:spcPts val="0"/>
-                </a:spcAft>
-              </a:pPr>
-              <a:r>
-                <a:rPr sz="1138">
-                  <a:solidFill>
-                    <a:srgbClr val="FFFFFF">
-                      <a:alpha val="100000"/>
-                    </a:srgbClr>
-                  </a:solidFill>
-                  <a:latin typeface="Arial"/>
-                  <a:cs typeface="Arial"/>
-                </a:rPr>
-                <a:t>28.3%</a:t>
-              </a:r>
-            </a:p>
+            <a:p/>
           </p:txBody>
         </p:sp>
         <p:sp>
           <p:nvSpPr>
-            <p:cNvPr id="31" name="tx31"/>
+            <p:cNvPr id="53" name="pl53"/>
             <p:cNvSpPr/>
             <p:nvPr/>
           </p:nvSpPr>
           <p:spPr>
             <a:xfrm>
-              <a:off x="4037333" y="3158057"/>
-              <a:ext cx="409835" cy="109040"/>
+              <a:off x="5321838" y="5638927"/>
+              <a:ext cx="0" cy="34794"/>
             </a:xfrm>
-            <a:prstGeom prst="rect">
+            <a:custGeom>
               <a:avLst/>
-            </a:prstGeom>
-            <a:noFill/>
+              <a:pathLst>
+                <a:path w="0" h="34794">
+                  <a:moveTo>
+                    <a:pt x="0" y="34794"/>
+                  </a:moveTo>
+                  <a:lnTo>
+                    <a:pt x="0" y="0"/>
+                  </a:lnTo>
+                </a:path>
+              </a:pathLst>
+            </a:custGeom>
+            <a:ln w="6775" cap="flat">
+              <a:solidFill>
+                <a:srgbClr val="B3B3B3">
+                  <a:alpha val="100000"/>
+                </a:srgbClr>
+              </a:solidFill>
+              <a:prstDash val="solid"/>
+              <a:round/>
+            </a:ln>
           </p:spPr>
           <p:txBody>
-            <a:bodyPr lIns="0" rIns="0" tIns="0" bIns="0" anchorCtr="1" anchor="ctr" wrap="none"/>
+            <a:bodyPr/>
             <a:lstStyle/>
-            <a:p>
-              <a:pPr algn="l" marL="0" marR="0" indent="0">
-                <a:lnSpc>
-                  <a:spcPts val="1138"/>
-                </a:lnSpc>
-                <a:spcBef>
-                  <a:spcPts val="0"/>
-                </a:spcBef>
-                <a:spcAft>
-                  <a:spcPts val="0"/>
-                </a:spcAft>
-              </a:pPr>
-              <a:r>
-                <a:rPr sz="1138">
-                  <a:solidFill>
-                    <a:srgbClr val="FFFFFF">
-                      <a:alpha val="100000"/>
-                    </a:srgbClr>
-                  </a:solidFill>
-                  <a:latin typeface="Arial"/>
-                  <a:cs typeface="Arial"/>
-                </a:rPr>
-                <a:t>28.8%</a:t>
-              </a:r>
-            </a:p>
+            <a:p/>
           </p:txBody>
         </p:sp>
         <p:sp>
           <p:nvSpPr>
-            <p:cNvPr id="32" name="tx32"/>
+            <p:cNvPr id="54" name="pl54"/>
             <p:cNvSpPr/>
             <p:nvPr/>
           </p:nvSpPr>
           <p:spPr>
             <a:xfrm>
-              <a:off x="5305310" y="3009798"/>
-              <a:ext cx="409835" cy="109040"/>
+              <a:off x="6970982" y="5638927"/>
+              <a:ext cx="0" cy="34794"/>
             </a:xfrm>
-            <a:prstGeom prst="rect">
+            <a:custGeom>
               <a:avLst/>
-            </a:prstGeom>
-            <a:noFill/>
+              <a:pathLst>
+                <a:path w="0" h="34794">
+                  <a:moveTo>
+                    <a:pt x="0" y="34794"/>
+                  </a:moveTo>
+                  <a:lnTo>
+                    <a:pt x="0" y="0"/>
+                  </a:lnTo>
+                </a:path>
+              </a:pathLst>
+            </a:custGeom>
+            <a:ln w="6775" cap="flat">
+              <a:solidFill>
+                <a:srgbClr val="B3B3B3">
+                  <a:alpha val="100000"/>
+                </a:srgbClr>
+              </a:solidFill>
+              <a:prstDash val="solid"/>
+              <a:round/>
+            </a:ln>
           </p:spPr>
           <p:txBody>
-            <a:bodyPr lIns="0" rIns="0" tIns="0" bIns="0" anchorCtr="1" anchor="ctr" wrap="none"/>
+            <a:bodyPr/>
             <a:lstStyle/>
-            <a:p>
-              <a:pPr algn="l" marL="0" marR="0" indent="0">
-                <a:lnSpc>
-                  <a:spcPts val="1138"/>
-                </a:lnSpc>
-                <a:spcBef>
-                  <a:spcPts val="0"/>
-                </a:spcBef>
-                <a:spcAft>
-                  <a:spcPts val="0"/>
-                </a:spcAft>
-              </a:pPr>
-              <a:r>
-                <a:rPr sz="1138">
-                  <a:solidFill>
-                    <a:srgbClr val="FFFFFF">
-                      <a:alpha val="100000"/>
-                    </a:srgbClr>
-                  </a:solidFill>
-                  <a:latin typeface="Arial"/>
-                  <a:cs typeface="Arial"/>
-                </a:rPr>
-                <a:t>21.2%</a:t>
-              </a:r>
-            </a:p>
+            <a:p/>
           </p:txBody>
         </p:sp>
         <p:sp>
           <p:nvSpPr>
-            <p:cNvPr id="33" name="tx33"/>
+            <p:cNvPr id="55" name="pl55"/>
             <p:cNvSpPr/>
             <p:nvPr/>
           </p:nvSpPr>
           <p:spPr>
             <a:xfrm>
-              <a:off x="5562506" y="4108390"/>
-              <a:ext cx="409835" cy="109040"/>
+              <a:off x="8620126" y="5638927"/>
+              <a:ext cx="0" cy="34794"/>
             </a:xfrm>
-            <a:prstGeom prst="rect">
+            <a:custGeom>
               <a:avLst/>
-            </a:prstGeom>
-            <a:noFill/>
+              <a:pathLst>
+                <a:path w="0" h="34794">
+                  <a:moveTo>
+                    <a:pt x="0" y="34794"/>
+                  </a:moveTo>
+                  <a:lnTo>
+                    <a:pt x="0" y="0"/>
+                  </a:lnTo>
+                </a:path>
+              </a:pathLst>
+            </a:custGeom>
+            <a:ln w="6775" cap="flat">
+              <a:solidFill>
+                <a:srgbClr val="B3B3B3">
+                  <a:alpha val="100000"/>
+                </a:srgbClr>
+              </a:solidFill>
+              <a:prstDash val="solid"/>
+              <a:round/>
+            </a:ln>
           </p:spPr>
           <p:txBody>
-            <a:bodyPr lIns="0" rIns="0" tIns="0" bIns="0" anchorCtr="1" anchor="ctr" wrap="none"/>
+            <a:bodyPr/>
             <a:lstStyle/>
-            <a:p>
-              <a:pPr algn="l" marL="0" marR="0" indent="0">
-                <a:lnSpc>
-                  <a:spcPts val="1138"/>
-                </a:lnSpc>
-                <a:spcBef>
-                  <a:spcPts val="0"/>
-                </a:spcBef>
-                <a:spcAft>
-                  <a:spcPts val="0"/>
-                </a:spcAft>
-              </a:pPr>
-              <a:r>
-                <a:rPr sz="1138">
-                  <a:solidFill>
-                    <a:srgbClr val="FFFFFF">
-                      <a:alpha val="100000"/>
-                    </a:srgbClr>
-                  </a:solidFill>
-                  <a:latin typeface="Arial"/>
-                  <a:cs typeface="Arial"/>
-                </a:rPr>
-                <a:t>21.7%</a:t>
-              </a:r>
-            </a:p>
-          </p:txBody>
-        </p:sp>
-        <p:sp>
-          <p:nvSpPr>
-            <p:cNvPr id="34" name="tx34"/>
-            <p:cNvSpPr/>
-            <p:nvPr/>
-          </p:nvSpPr>
-          <p:spPr>
-            <a:xfrm>
-              <a:off x="4358427" y="4537064"/>
-              <a:ext cx="409835" cy="109040"/>
-            </a:xfrm>
-            <a:prstGeom prst="rect">
-              <a:avLst/>
-            </a:prstGeom>
-            <a:noFill/>
-          </p:spPr>
-          <p:txBody>
-            <a:bodyPr lIns="0" rIns="0" tIns="0" bIns="0" anchorCtr="1" anchor="ctr" wrap="none"/>
-            <a:lstStyle/>
-            <a:p>
-              <a:pPr algn="l" marL="0" marR="0" indent="0">
-                <a:lnSpc>
-                  <a:spcPts val="1138"/>
-                </a:lnSpc>
-                <a:spcBef>
-                  <a:spcPts val="0"/>
-                </a:spcBef>
-                <a:spcAft>
-                  <a:spcPts val="0"/>
-                </a:spcAft>
-              </a:pPr>
-              <a:r>
-                <a:rPr sz="1138">
-                  <a:solidFill>
-                    <a:srgbClr val="FFFFFF">
-                      <a:alpha val="100000"/>
-                    </a:srgbClr>
-                  </a:solidFill>
-                  <a:latin typeface="Arial"/>
-                  <a:cs typeface="Arial"/>
-                </a:rPr>
-                <a:t>28.3%</a:t>
-              </a:r>
-            </a:p>
-          </p:txBody>
-        </p:sp>
-        <p:sp>
-          <p:nvSpPr>
-            <p:cNvPr id="35" name="tx35"/>
-            <p:cNvSpPr/>
-            <p:nvPr/>
-          </p:nvSpPr>
-          <p:spPr>
-            <a:xfrm>
-              <a:off x="4035090" y="3161414"/>
-              <a:ext cx="409835" cy="109040"/>
-            </a:xfrm>
-            <a:prstGeom prst="rect">
-              <a:avLst/>
-            </a:prstGeom>
-            <a:noFill/>
-          </p:spPr>
-          <p:txBody>
-            <a:bodyPr lIns="0" rIns="0" tIns="0" bIns="0" anchorCtr="1" anchor="ctr" wrap="none"/>
-            <a:lstStyle/>
-            <a:p>
-              <a:pPr algn="l" marL="0" marR="0" indent="0">
-                <a:lnSpc>
-                  <a:spcPts val="1138"/>
-                </a:lnSpc>
-                <a:spcBef>
-                  <a:spcPts val="0"/>
-                </a:spcBef>
-                <a:spcAft>
-                  <a:spcPts val="0"/>
-                </a:spcAft>
-              </a:pPr>
-              <a:r>
-                <a:rPr sz="1138">
-                  <a:solidFill>
-                    <a:srgbClr val="FFFFFF">
-                      <a:alpha val="100000"/>
-                    </a:srgbClr>
-                  </a:solidFill>
-                  <a:latin typeface="Arial"/>
-                  <a:cs typeface="Arial"/>
-                </a:rPr>
-                <a:t>28.8%</a:t>
-              </a:r>
-            </a:p>
-          </p:txBody>
-        </p:sp>
-        <p:sp>
-          <p:nvSpPr>
-            <p:cNvPr id="36" name="tx36"/>
-            <p:cNvSpPr/>
-            <p:nvPr/>
-          </p:nvSpPr>
-          <p:spPr>
-            <a:xfrm>
-              <a:off x="5304522" y="3013758"/>
-              <a:ext cx="409835" cy="109040"/>
-            </a:xfrm>
-            <a:prstGeom prst="rect">
-              <a:avLst/>
-            </a:prstGeom>
-            <a:noFill/>
-          </p:spPr>
-          <p:txBody>
-            <a:bodyPr lIns="0" rIns="0" tIns="0" bIns="0" anchorCtr="1" anchor="ctr" wrap="none"/>
-            <a:lstStyle/>
-            <a:p>
-              <a:pPr algn="l" marL="0" marR="0" indent="0">
-                <a:lnSpc>
-                  <a:spcPts val="1138"/>
-                </a:lnSpc>
-                <a:spcBef>
-                  <a:spcPts val="0"/>
-                </a:spcBef>
-                <a:spcAft>
-                  <a:spcPts val="0"/>
-                </a:spcAft>
-              </a:pPr>
-              <a:r>
-                <a:rPr sz="1138">
-                  <a:solidFill>
-                    <a:srgbClr val="FFFFFF">
-                      <a:alpha val="100000"/>
-                    </a:srgbClr>
-                  </a:solidFill>
-                  <a:latin typeface="Arial"/>
-                  <a:cs typeface="Arial"/>
-                </a:rPr>
-                <a:t>21.2%</a:t>
-              </a:r>
-            </a:p>
-          </p:txBody>
-        </p:sp>
-        <p:sp>
-          <p:nvSpPr>
-            <p:cNvPr id="37" name="tx37"/>
-            <p:cNvSpPr/>
-            <p:nvPr/>
-          </p:nvSpPr>
-          <p:spPr>
-            <a:xfrm>
-              <a:off x="5561719" y="4112349"/>
-              <a:ext cx="409835" cy="109040"/>
-            </a:xfrm>
-            <a:prstGeom prst="rect">
-              <a:avLst/>
-            </a:prstGeom>
-            <a:noFill/>
-          </p:spPr>
-          <p:txBody>
-            <a:bodyPr lIns="0" rIns="0" tIns="0" bIns="0" anchorCtr="1" anchor="ctr" wrap="none"/>
-            <a:lstStyle/>
-            <a:p>
-              <a:pPr algn="l" marL="0" marR="0" indent="0">
-                <a:lnSpc>
-                  <a:spcPts val="1138"/>
-                </a:lnSpc>
-                <a:spcBef>
-                  <a:spcPts val="0"/>
-                </a:spcBef>
-                <a:spcAft>
-                  <a:spcPts val="0"/>
-                </a:spcAft>
-              </a:pPr>
-              <a:r>
-                <a:rPr sz="1138">
-                  <a:solidFill>
-                    <a:srgbClr val="FFFFFF">
-                      <a:alpha val="100000"/>
-                    </a:srgbClr>
-                  </a:solidFill>
-                  <a:latin typeface="Arial"/>
-                  <a:cs typeface="Arial"/>
-                </a:rPr>
-                <a:t>21.7%</a:t>
-              </a:r>
-            </a:p>
-          </p:txBody>
-        </p:sp>
-        <p:sp>
-          <p:nvSpPr>
-            <p:cNvPr id="38" name="tx38"/>
-            <p:cNvSpPr/>
-            <p:nvPr/>
-          </p:nvSpPr>
-          <p:spPr>
-            <a:xfrm>
-              <a:off x="4357640" y="4541023"/>
-              <a:ext cx="409835" cy="109040"/>
-            </a:xfrm>
-            <a:prstGeom prst="rect">
-              <a:avLst/>
-            </a:prstGeom>
-            <a:noFill/>
-          </p:spPr>
-          <p:txBody>
-            <a:bodyPr lIns="0" rIns="0" tIns="0" bIns="0" anchorCtr="1" anchor="ctr" wrap="none"/>
-            <a:lstStyle/>
-            <a:p>
-              <a:pPr algn="l" marL="0" marR="0" indent="0">
-                <a:lnSpc>
-                  <a:spcPts val="1138"/>
-                </a:lnSpc>
-                <a:spcBef>
-                  <a:spcPts val="0"/>
-                </a:spcBef>
-                <a:spcAft>
-                  <a:spcPts val="0"/>
-                </a:spcAft>
-              </a:pPr>
-              <a:r>
-                <a:rPr sz="1138">
-                  <a:solidFill>
-                    <a:srgbClr val="FFFFFF">
-                      <a:alpha val="100000"/>
-                    </a:srgbClr>
-                  </a:solidFill>
-                  <a:latin typeface="Arial"/>
-                  <a:cs typeface="Arial"/>
-                </a:rPr>
-                <a:t>28.3%</a:t>
-              </a:r>
-            </a:p>
-          </p:txBody>
-        </p:sp>
-        <p:sp>
-          <p:nvSpPr>
-            <p:cNvPr id="39" name="tx39"/>
-            <p:cNvSpPr/>
-            <p:nvPr/>
-          </p:nvSpPr>
-          <p:spPr>
-            <a:xfrm>
-              <a:off x="4034303" y="3165373"/>
-              <a:ext cx="409835" cy="109040"/>
-            </a:xfrm>
-            <a:prstGeom prst="rect">
-              <a:avLst/>
-            </a:prstGeom>
-            <a:noFill/>
-          </p:spPr>
-          <p:txBody>
-            <a:bodyPr lIns="0" rIns="0" tIns="0" bIns="0" anchorCtr="1" anchor="ctr" wrap="none"/>
-            <a:lstStyle/>
-            <a:p>
-              <a:pPr algn="l" marL="0" marR="0" indent="0">
-                <a:lnSpc>
-                  <a:spcPts val="1138"/>
-                </a:lnSpc>
-                <a:spcBef>
-                  <a:spcPts val="0"/>
-                </a:spcBef>
-                <a:spcAft>
-                  <a:spcPts val="0"/>
-                </a:spcAft>
-              </a:pPr>
-              <a:r>
-                <a:rPr sz="1138">
-                  <a:solidFill>
-                    <a:srgbClr val="FFFFFF">
-                      <a:alpha val="100000"/>
-                    </a:srgbClr>
-                  </a:solidFill>
-                  <a:latin typeface="Arial"/>
-                  <a:cs typeface="Arial"/>
-                </a:rPr>
-                <a:t>28.8%</a:t>
-              </a:r>
-            </a:p>
-          </p:txBody>
-        </p:sp>
-        <p:sp>
-          <p:nvSpPr>
-            <p:cNvPr id="40" name="tx40"/>
-            <p:cNvSpPr/>
-            <p:nvPr/>
-          </p:nvSpPr>
-          <p:spPr>
-            <a:xfrm>
-              <a:off x="5305310" y="3017717"/>
-              <a:ext cx="409835" cy="109040"/>
-            </a:xfrm>
-            <a:prstGeom prst="rect">
-              <a:avLst/>
-            </a:prstGeom>
-            <a:noFill/>
-          </p:spPr>
-          <p:txBody>
-            <a:bodyPr lIns="0" rIns="0" tIns="0" bIns="0" anchorCtr="1" anchor="ctr" wrap="none"/>
-            <a:lstStyle/>
-            <a:p>
-              <a:pPr algn="l" marL="0" marR="0" indent="0">
-                <a:lnSpc>
-                  <a:spcPts val="1138"/>
-                </a:lnSpc>
-                <a:spcBef>
-                  <a:spcPts val="0"/>
-                </a:spcBef>
-                <a:spcAft>
-                  <a:spcPts val="0"/>
-                </a:spcAft>
-              </a:pPr>
-              <a:r>
-                <a:rPr sz="1138">
-                  <a:solidFill>
-                    <a:srgbClr val="FFFFFF">
-                      <a:alpha val="100000"/>
-                    </a:srgbClr>
-                  </a:solidFill>
-                  <a:latin typeface="Arial"/>
-                  <a:cs typeface="Arial"/>
-                </a:rPr>
-                <a:t>21.2%</a:t>
-              </a:r>
-            </a:p>
-          </p:txBody>
-        </p:sp>
-        <p:sp>
-          <p:nvSpPr>
-            <p:cNvPr id="41" name="tx41"/>
-            <p:cNvSpPr/>
-            <p:nvPr/>
-          </p:nvSpPr>
-          <p:spPr>
-            <a:xfrm>
-              <a:off x="5562506" y="4116309"/>
-              <a:ext cx="409835" cy="109040"/>
-            </a:xfrm>
-            <a:prstGeom prst="rect">
-              <a:avLst/>
-            </a:prstGeom>
-            <a:noFill/>
-          </p:spPr>
-          <p:txBody>
-            <a:bodyPr lIns="0" rIns="0" tIns="0" bIns="0" anchorCtr="1" anchor="ctr" wrap="none"/>
-            <a:lstStyle/>
-            <a:p>
-              <a:pPr algn="l" marL="0" marR="0" indent="0">
-                <a:lnSpc>
-                  <a:spcPts val="1138"/>
-                </a:lnSpc>
-                <a:spcBef>
-                  <a:spcPts val="0"/>
-                </a:spcBef>
-                <a:spcAft>
-                  <a:spcPts val="0"/>
-                </a:spcAft>
-              </a:pPr>
-              <a:r>
-                <a:rPr sz="1138">
-                  <a:solidFill>
-                    <a:srgbClr val="FFFFFF">
-                      <a:alpha val="100000"/>
-                    </a:srgbClr>
-                  </a:solidFill>
-                  <a:latin typeface="Arial"/>
-                  <a:cs typeface="Arial"/>
-                </a:rPr>
-                <a:t>21.7%</a:t>
-              </a:r>
-            </a:p>
-          </p:txBody>
-        </p:sp>
-        <p:sp>
-          <p:nvSpPr>
-            <p:cNvPr id="42" name="tx42"/>
-            <p:cNvSpPr/>
-            <p:nvPr/>
-          </p:nvSpPr>
-          <p:spPr>
-            <a:xfrm>
-              <a:off x="4358427" y="4544982"/>
-              <a:ext cx="409835" cy="109040"/>
-            </a:xfrm>
-            <a:prstGeom prst="rect">
-              <a:avLst/>
-            </a:prstGeom>
-            <a:noFill/>
-          </p:spPr>
-          <p:txBody>
-            <a:bodyPr lIns="0" rIns="0" tIns="0" bIns="0" anchorCtr="1" anchor="ctr" wrap="none"/>
-            <a:lstStyle/>
-            <a:p>
-              <a:pPr algn="l" marL="0" marR="0" indent="0">
-                <a:lnSpc>
-                  <a:spcPts val="1138"/>
-                </a:lnSpc>
-                <a:spcBef>
-                  <a:spcPts val="0"/>
-                </a:spcBef>
-                <a:spcAft>
-                  <a:spcPts val="0"/>
-                </a:spcAft>
-              </a:pPr>
-              <a:r>
-                <a:rPr sz="1138">
-                  <a:solidFill>
-                    <a:srgbClr val="FFFFFF">
-                      <a:alpha val="100000"/>
-                    </a:srgbClr>
-                  </a:solidFill>
-                  <a:latin typeface="Arial"/>
-                  <a:cs typeface="Arial"/>
-                </a:rPr>
-                <a:t>28.3%</a:t>
-              </a:r>
-            </a:p>
-          </p:txBody>
-        </p:sp>
-        <p:sp>
-          <p:nvSpPr>
-            <p:cNvPr id="43" name="tx43"/>
-            <p:cNvSpPr/>
-            <p:nvPr/>
-          </p:nvSpPr>
-          <p:spPr>
-            <a:xfrm>
-              <a:off x="4035090" y="3169333"/>
-              <a:ext cx="409835" cy="109040"/>
-            </a:xfrm>
-            <a:prstGeom prst="rect">
-              <a:avLst/>
-            </a:prstGeom>
-            <a:noFill/>
-          </p:spPr>
-          <p:txBody>
-            <a:bodyPr lIns="0" rIns="0" tIns="0" bIns="0" anchorCtr="1" anchor="ctr" wrap="none"/>
-            <a:lstStyle/>
-            <a:p>
-              <a:pPr algn="l" marL="0" marR="0" indent="0">
-                <a:lnSpc>
-                  <a:spcPts val="1138"/>
-                </a:lnSpc>
-                <a:spcBef>
-                  <a:spcPts val="0"/>
-                </a:spcBef>
-                <a:spcAft>
-                  <a:spcPts val="0"/>
-                </a:spcAft>
-              </a:pPr>
-              <a:r>
-                <a:rPr sz="1138">
-                  <a:solidFill>
-                    <a:srgbClr val="FFFFFF">
-                      <a:alpha val="100000"/>
-                    </a:srgbClr>
-                  </a:solidFill>
-                  <a:latin typeface="Arial"/>
-                  <a:cs typeface="Arial"/>
-                </a:rPr>
-                <a:t>28.8%</a:t>
-              </a:r>
-            </a:p>
-          </p:txBody>
-        </p:sp>
-        <p:sp>
-          <p:nvSpPr>
-            <p:cNvPr id="44" name="tx44"/>
-            <p:cNvSpPr/>
-            <p:nvPr/>
-          </p:nvSpPr>
-          <p:spPr>
-            <a:xfrm>
-              <a:off x="5307553" y="3021074"/>
-              <a:ext cx="409835" cy="109040"/>
-            </a:xfrm>
-            <a:prstGeom prst="rect">
-              <a:avLst/>
-            </a:prstGeom>
-            <a:noFill/>
-          </p:spPr>
-          <p:txBody>
-            <a:bodyPr lIns="0" rIns="0" tIns="0" bIns="0" anchorCtr="1" anchor="ctr" wrap="none"/>
-            <a:lstStyle/>
-            <a:p>
-              <a:pPr algn="l" marL="0" marR="0" indent="0">
-                <a:lnSpc>
-                  <a:spcPts val="1138"/>
-                </a:lnSpc>
-                <a:spcBef>
-                  <a:spcPts val="0"/>
-                </a:spcBef>
-                <a:spcAft>
-                  <a:spcPts val="0"/>
-                </a:spcAft>
-              </a:pPr>
-              <a:r>
-                <a:rPr sz="1138">
-                  <a:solidFill>
-                    <a:srgbClr val="FFFFFF">
-                      <a:alpha val="100000"/>
-                    </a:srgbClr>
-                  </a:solidFill>
-                  <a:latin typeface="Arial"/>
-                  <a:cs typeface="Arial"/>
-                </a:rPr>
-                <a:t>21.2%</a:t>
-              </a:r>
-            </a:p>
-          </p:txBody>
-        </p:sp>
-        <p:sp>
-          <p:nvSpPr>
-            <p:cNvPr id="45" name="tx45"/>
-            <p:cNvSpPr/>
-            <p:nvPr/>
-          </p:nvSpPr>
-          <p:spPr>
-            <a:xfrm>
-              <a:off x="5564749" y="4119665"/>
-              <a:ext cx="409835" cy="109040"/>
-            </a:xfrm>
-            <a:prstGeom prst="rect">
-              <a:avLst/>
-            </a:prstGeom>
-            <a:noFill/>
-          </p:spPr>
-          <p:txBody>
-            <a:bodyPr lIns="0" rIns="0" tIns="0" bIns="0" anchorCtr="1" anchor="ctr" wrap="none"/>
-            <a:lstStyle/>
-            <a:p>
-              <a:pPr algn="l" marL="0" marR="0" indent="0">
-                <a:lnSpc>
-                  <a:spcPts val="1138"/>
-                </a:lnSpc>
-                <a:spcBef>
-                  <a:spcPts val="0"/>
-                </a:spcBef>
-                <a:spcAft>
-                  <a:spcPts val="0"/>
-                </a:spcAft>
-              </a:pPr>
-              <a:r>
-                <a:rPr sz="1138">
-                  <a:solidFill>
-                    <a:srgbClr val="FFFFFF">
-                      <a:alpha val="100000"/>
-                    </a:srgbClr>
-                  </a:solidFill>
-                  <a:latin typeface="Arial"/>
-                  <a:cs typeface="Arial"/>
-                </a:rPr>
-                <a:t>21.7%</a:t>
-              </a:r>
-            </a:p>
-          </p:txBody>
-        </p:sp>
-        <p:sp>
-          <p:nvSpPr>
-            <p:cNvPr id="46" name="tx46"/>
-            <p:cNvSpPr/>
-            <p:nvPr/>
-          </p:nvSpPr>
-          <p:spPr>
-            <a:xfrm>
-              <a:off x="4360670" y="4548339"/>
-              <a:ext cx="409835" cy="109040"/>
-            </a:xfrm>
-            <a:prstGeom prst="rect">
-              <a:avLst/>
-            </a:prstGeom>
-            <a:noFill/>
-          </p:spPr>
-          <p:txBody>
-            <a:bodyPr lIns="0" rIns="0" tIns="0" bIns="0" anchorCtr="1" anchor="ctr" wrap="none"/>
-            <a:lstStyle/>
-            <a:p>
-              <a:pPr algn="l" marL="0" marR="0" indent="0">
-                <a:lnSpc>
-                  <a:spcPts val="1138"/>
-                </a:lnSpc>
-                <a:spcBef>
-                  <a:spcPts val="0"/>
-                </a:spcBef>
-                <a:spcAft>
-                  <a:spcPts val="0"/>
-                </a:spcAft>
-              </a:pPr>
-              <a:r>
-                <a:rPr sz="1138">
-                  <a:solidFill>
-                    <a:srgbClr val="FFFFFF">
-                      <a:alpha val="100000"/>
-                    </a:srgbClr>
-                  </a:solidFill>
-                  <a:latin typeface="Arial"/>
-                  <a:cs typeface="Arial"/>
-                </a:rPr>
-                <a:t>28.3%</a:t>
-              </a:r>
-            </a:p>
-          </p:txBody>
-        </p:sp>
-        <p:sp>
-          <p:nvSpPr>
-            <p:cNvPr id="47" name="tx47"/>
-            <p:cNvSpPr/>
-            <p:nvPr/>
-          </p:nvSpPr>
-          <p:spPr>
-            <a:xfrm>
-              <a:off x="4037333" y="3172689"/>
-              <a:ext cx="409835" cy="109040"/>
-            </a:xfrm>
-            <a:prstGeom prst="rect">
-              <a:avLst/>
-            </a:prstGeom>
-            <a:noFill/>
-          </p:spPr>
-          <p:txBody>
-            <a:bodyPr lIns="0" rIns="0" tIns="0" bIns="0" anchorCtr="1" anchor="ctr" wrap="none"/>
-            <a:lstStyle/>
-            <a:p>
-              <a:pPr algn="l" marL="0" marR="0" indent="0">
-                <a:lnSpc>
-                  <a:spcPts val="1138"/>
-                </a:lnSpc>
-                <a:spcBef>
-                  <a:spcPts val="0"/>
-                </a:spcBef>
-                <a:spcAft>
-                  <a:spcPts val="0"/>
-                </a:spcAft>
-              </a:pPr>
-              <a:r>
-                <a:rPr sz="1138">
-                  <a:solidFill>
-                    <a:srgbClr val="FFFFFF">
-                      <a:alpha val="100000"/>
-                    </a:srgbClr>
-                  </a:solidFill>
-                  <a:latin typeface="Arial"/>
-                  <a:cs typeface="Arial"/>
-                </a:rPr>
-                <a:t>28.8%</a:t>
-              </a:r>
-            </a:p>
-          </p:txBody>
-        </p:sp>
-        <p:sp>
-          <p:nvSpPr>
-            <p:cNvPr id="48" name="tx48"/>
-            <p:cNvSpPr/>
-            <p:nvPr/>
-          </p:nvSpPr>
-          <p:spPr>
-            <a:xfrm>
-              <a:off x="5310909" y="3023317"/>
-              <a:ext cx="409835" cy="109040"/>
-            </a:xfrm>
-            <a:prstGeom prst="rect">
-              <a:avLst/>
-            </a:prstGeom>
-            <a:noFill/>
-          </p:spPr>
-          <p:txBody>
-            <a:bodyPr lIns="0" rIns="0" tIns="0" bIns="0" anchorCtr="1" anchor="ctr" wrap="none"/>
-            <a:lstStyle/>
-            <a:p>
-              <a:pPr algn="l" marL="0" marR="0" indent="0">
-                <a:lnSpc>
-                  <a:spcPts val="1138"/>
-                </a:lnSpc>
-                <a:spcBef>
-                  <a:spcPts val="0"/>
-                </a:spcBef>
-                <a:spcAft>
-                  <a:spcPts val="0"/>
-                </a:spcAft>
-              </a:pPr>
-              <a:r>
-                <a:rPr sz="1138">
-                  <a:solidFill>
-                    <a:srgbClr val="FFFFFF">
-                      <a:alpha val="100000"/>
-                    </a:srgbClr>
-                  </a:solidFill>
-                  <a:latin typeface="Arial"/>
-                  <a:cs typeface="Arial"/>
-                </a:rPr>
-                <a:t>21.2%</a:t>
-              </a:r>
-            </a:p>
-          </p:txBody>
-        </p:sp>
-        <p:sp>
-          <p:nvSpPr>
-            <p:cNvPr id="49" name="tx49"/>
-            <p:cNvSpPr/>
-            <p:nvPr/>
-          </p:nvSpPr>
-          <p:spPr>
-            <a:xfrm>
-              <a:off x="5568106" y="4121908"/>
-              <a:ext cx="409835" cy="109040"/>
-            </a:xfrm>
-            <a:prstGeom prst="rect">
-              <a:avLst/>
-            </a:prstGeom>
-            <a:noFill/>
-          </p:spPr>
-          <p:txBody>
-            <a:bodyPr lIns="0" rIns="0" tIns="0" bIns="0" anchorCtr="1" anchor="ctr" wrap="none"/>
-            <a:lstStyle/>
-            <a:p>
-              <a:pPr algn="l" marL="0" marR="0" indent="0">
-                <a:lnSpc>
-                  <a:spcPts val="1138"/>
-                </a:lnSpc>
-                <a:spcBef>
-                  <a:spcPts val="0"/>
-                </a:spcBef>
-                <a:spcAft>
-                  <a:spcPts val="0"/>
-                </a:spcAft>
-              </a:pPr>
-              <a:r>
-                <a:rPr sz="1138">
-                  <a:solidFill>
-                    <a:srgbClr val="FFFFFF">
-                      <a:alpha val="100000"/>
-                    </a:srgbClr>
-                  </a:solidFill>
-                  <a:latin typeface="Arial"/>
-                  <a:cs typeface="Arial"/>
-                </a:rPr>
-                <a:t>21.7%</a:t>
-              </a:r>
-            </a:p>
-          </p:txBody>
-        </p:sp>
-        <p:sp>
-          <p:nvSpPr>
-            <p:cNvPr id="50" name="tx50"/>
-            <p:cNvSpPr/>
-            <p:nvPr/>
-          </p:nvSpPr>
-          <p:spPr>
-            <a:xfrm>
-              <a:off x="4364027" y="4550582"/>
-              <a:ext cx="409835" cy="109040"/>
-            </a:xfrm>
-            <a:prstGeom prst="rect">
-              <a:avLst/>
-            </a:prstGeom>
-            <a:noFill/>
-          </p:spPr>
-          <p:txBody>
-            <a:bodyPr lIns="0" rIns="0" tIns="0" bIns="0" anchorCtr="1" anchor="ctr" wrap="none"/>
-            <a:lstStyle/>
-            <a:p>
-              <a:pPr algn="l" marL="0" marR="0" indent="0">
-                <a:lnSpc>
-                  <a:spcPts val="1138"/>
-                </a:lnSpc>
-                <a:spcBef>
-                  <a:spcPts val="0"/>
-                </a:spcBef>
-                <a:spcAft>
-                  <a:spcPts val="0"/>
-                </a:spcAft>
-              </a:pPr>
-              <a:r>
-                <a:rPr sz="1138">
-                  <a:solidFill>
-                    <a:srgbClr val="FFFFFF">
-                      <a:alpha val="100000"/>
-                    </a:srgbClr>
-                  </a:solidFill>
-                  <a:latin typeface="Arial"/>
-                  <a:cs typeface="Arial"/>
-                </a:rPr>
-                <a:t>28.3%</a:t>
-              </a:r>
-            </a:p>
-          </p:txBody>
-        </p:sp>
-        <p:sp>
-          <p:nvSpPr>
-            <p:cNvPr id="51" name="tx51"/>
-            <p:cNvSpPr/>
-            <p:nvPr/>
-          </p:nvSpPr>
-          <p:spPr>
-            <a:xfrm>
-              <a:off x="4040690" y="3174932"/>
-              <a:ext cx="409835" cy="109040"/>
-            </a:xfrm>
-            <a:prstGeom prst="rect">
-              <a:avLst/>
-            </a:prstGeom>
-            <a:noFill/>
-          </p:spPr>
-          <p:txBody>
-            <a:bodyPr lIns="0" rIns="0" tIns="0" bIns="0" anchorCtr="1" anchor="ctr" wrap="none"/>
-            <a:lstStyle/>
-            <a:p>
-              <a:pPr algn="l" marL="0" marR="0" indent="0">
-                <a:lnSpc>
-                  <a:spcPts val="1138"/>
-                </a:lnSpc>
-                <a:spcBef>
-                  <a:spcPts val="0"/>
-                </a:spcBef>
-                <a:spcAft>
-                  <a:spcPts val="0"/>
-                </a:spcAft>
-              </a:pPr>
-              <a:r>
-                <a:rPr sz="1138">
-                  <a:solidFill>
-                    <a:srgbClr val="FFFFFF">
-                      <a:alpha val="100000"/>
-                    </a:srgbClr>
-                  </a:solidFill>
-                  <a:latin typeface="Arial"/>
-                  <a:cs typeface="Arial"/>
-                </a:rPr>
-                <a:t>28.8%</a:t>
-              </a:r>
-            </a:p>
-          </p:txBody>
-        </p:sp>
-        <p:sp>
-          <p:nvSpPr>
-            <p:cNvPr id="52" name="tx52"/>
-            <p:cNvSpPr/>
-            <p:nvPr/>
-          </p:nvSpPr>
-          <p:spPr>
-            <a:xfrm>
-              <a:off x="5314869" y="3024104"/>
-              <a:ext cx="409835" cy="109040"/>
-            </a:xfrm>
-            <a:prstGeom prst="rect">
-              <a:avLst/>
-            </a:prstGeom>
-            <a:noFill/>
-          </p:spPr>
-          <p:txBody>
-            <a:bodyPr lIns="0" rIns="0" tIns="0" bIns="0" anchorCtr="1" anchor="ctr" wrap="none"/>
-            <a:lstStyle/>
-            <a:p>
-              <a:pPr algn="l" marL="0" marR="0" indent="0">
-                <a:lnSpc>
-                  <a:spcPts val="1138"/>
-                </a:lnSpc>
-                <a:spcBef>
-                  <a:spcPts val="0"/>
-                </a:spcBef>
-                <a:spcAft>
-                  <a:spcPts val="0"/>
-                </a:spcAft>
-              </a:pPr>
-              <a:r>
-                <a:rPr sz="1138">
-                  <a:solidFill>
-                    <a:srgbClr val="FFFFFF">
-                      <a:alpha val="100000"/>
-                    </a:srgbClr>
-                  </a:solidFill>
-                  <a:latin typeface="Arial"/>
-                  <a:cs typeface="Arial"/>
-                </a:rPr>
-                <a:t>21.2%</a:t>
-              </a:r>
-            </a:p>
-          </p:txBody>
-        </p:sp>
-        <p:sp>
-          <p:nvSpPr>
-            <p:cNvPr id="53" name="tx53"/>
-            <p:cNvSpPr/>
-            <p:nvPr/>
-          </p:nvSpPr>
-          <p:spPr>
-            <a:xfrm>
-              <a:off x="5572065" y="4122696"/>
-              <a:ext cx="409835" cy="109040"/>
-            </a:xfrm>
-            <a:prstGeom prst="rect">
-              <a:avLst/>
-            </a:prstGeom>
-            <a:noFill/>
-          </p:spPr>
-          <p:txBody>
-            <a:bodyPr lIns="0" rIns="0" tIns="0" bIns="0" anchorCtr="1" anchor="ctr" wrap="none"/>
-            <a:lstStyle/>
-            <a:p>
-              <a:pPr algn="l" marL="0" marR="0" indent="0">
-                <a:lnSpc>
-                  <a:spcPts val="1138"/>
-                </a:lnSpc>
-                <a:spcBef>
-                  <a:spcPts val="0"/>
-                </a:spcBef>
-                <a:spcAft>
-                  <a:spcPts val="0"/>
-                </a:spcAft>
-              </a:pPr>
-              <a:r>
-                <a:rPr sz="1138">
-                  <a:solidFill>
-                    <a:srgbClr val="FFFFFF">
-                      <a:alpha val="100000"/>
-                    </a:srgbClr>
-                  </a:solidFill>
-                  <a:latin typeface="Arial"/>
-                  <a:cs typeface="Arial"/>
-                </a:rPr>
-                <a:t>21.7%</a:t>
-              </a:r>
-            </a:p>
-          </p:txBody>
-        </p:sp>
-        <p:sp>
-          <p:nvSpPr>
-            <p:cNvPr id="54" name="tx54"/>
-            <p:cNvSpPr/>
-            <p:nvPr/>
-          </p:nvSpPr>
-          <p:spPr>
-            <a:xfrm>
-              <a:off x="4367986" y="4551369"/>
-              <a:ext cx="409835" cy="109040"/>
-            </a:xfrm>
-            <a:prstGeom prst="rect">
-              <a:avLst/>
-            </a:prstGeom>
-            <a:noFill/>
-          </p:spPr>
-          <p:txBody>
-            <a:bodyPr lIns="0" rIns="0" tIns="0" bIns="0" anchorCtr="1" anchor="ctr" wrap="none"/>
-            <a:lstStyle/>
-            <a:p>
-              <a:pPr algn="l" marL="0" marR="0" indent="0">
-                <a:lnSpc>
-                  <a:spcPts val="1138"/>
-                </a:lnSpc>
-                <a:spcBef>
-                  <a:spcPts val="0"/>
-                </a:spcBef>
-                <a:spcAft>
-                  <a:spcPts val="0"/>
-                </a:spcAft>
-              </a:pPr>
-              <a:r>
-                <a:rPr sz="1138">
-                  <a:solidFill>
-                    <a:srgbClr val="FFFFFF">
-                      <a:alpha val="100000"/>
-                    </a:srgbClr>
-                  </a:solidFill>
-                  <a:latin typeface="Arial"/>
-                  <a:cs typeface="Arial"/>
-                </a:rPr>
-                <a:t>28.3%</a:t>
-              </a:r>
-            </a:p>
-          </p:txBody>
-        </p:sp>
-        <p:sp>
-          <p:nvSpPr>
-            <p:cNvPr id="55" name="tx55"/>
-            <p:cNvSpPr/>
-            <p:nvPr/>
-          </p:nvSpPr>
-          <p:spPr>
-            <a:xfrm>
-              <a:off x="4044649" y="3175720"/>
-              <a:ext cx="409835" cy="109040"/>
-            </a:xfrm>
-            <a:prstGeom prst="rect">
-              <a:avLst/>
-            </a:prstGeom>
-            <a:noFill/>
-          </p:spPr>
-          <p:txBody>
-            <a:bodyPr lIns="0" rIns="0" tIns="0" bIns="0" anchorCtr="1" anchor="ctr" wrap="none"/>
-            <a:lstStyle/>
-            <a:p>
-              <a:pPr algn="l" marL="0" marR="0" indent="0">
-                <a:lnSpc>
-                  <a:spcPts val="1138"/>
-                </a:lnSpc>
-                <a:spcBef>
-                  <a:spcPts val="0"/>
-                </a:spcBef>
-                <a:spcAft>
-                  <a:spcPts val="0"/>
-                </a:spcAft>
-              </a:pPr>
-              <a:r>
-                <a:rPr sz="1138">
-                  <a:solidFill>
-                    <a:srgbClr val="FFFFFF">
-                      <a:alpha val="100000"/>
-                    </a:srgbClr>
-                  </a:solidFill>
-                  <a:latin typeface="Arial"/>
-                  <a:cs typeface="Arial"/>
-                </a:rPr>
-                <a:t>28.8%</a:t>
-              </a:r>
-            </a:p>
+            <a:p/>
           </p:txBody>
         </p:sp>
         <p:sp>
@@ -6773,1068 +5242,8 @@
           </p:nvSpPr>
           <p:spPr>
             <a:xfrm>
-              <a:off x="5318828" y="3023317"/>
-              <a:ext cx="409835" cy="109040"/>
-            </a:xfrm>
-            <a:prstGeom prst="rect">
-              <a:avLst/>
-            </a:prstGeom>
-            <a:noFill/>
-          </p:spPr>
-          <p:txBody>
-            <a:bodyPr lIns="0" rIns="0" tIns="0" bIns="0" anchorCtr="1" anchor="ctr" wrap="none"/>
-            <a:lstStyle/>
-            <a:p>
-              <a:pPr algn="l" marL="0" marR="0" indent="0">
-                <a:lnSpc>
-                  <a:spcPts val="1138"/>
-                </a:lnSpc>
-                <a:spcBef>
-                  <a:spcPts val="0"/>
-                </a:spcBef>
-                <a:spcAft>
-                  <a:spcPts val="0"/>
-                </a:spcAft>
-              </a:pPr>
-              <a:r>
-                <a:rPr sz="1138">
-                  <a:solidFill>
-                    <a:srgbClr val="FFFFFF">
-                      <a:alpha val="100000"/>
-                    </a:srgbClr>
-                  </a:solidFill>
-                  <a:latin typeface="Arial"/>
-                  <a:cs typeface="Arial"/>
-                </a:rPr>
-                <a:t>21.2%</a:t>
-              </a:r>
-            </a:p>
-          </p:txBody>
-        </p:sp>
-        <p:sp>
-          <p:nvSpPr>
-            <p:cNvPr id="57" name="tx57"/>
-            <p:cNvSpPr/>
-            <p:nvPr/>
-          </p:nvSpPr>
-          <p:spPr>
-            <a:xfrm>
-              <a:off x="5576025" y="4121908"/>
-              <a:ext cx="409835" cy="109040"/>
-            </a:xfrm>
-            <a:prstGeom prst="rect">
-              <a:avLst/>
-            </a:prstGeom>
-            <a:noFill/>
-          </p:spPr>
-          <p:txBody>
-            <a:bodyPr lIns="0" rIns="0" tIns="0" bIns="0" anchorCtr="1" anchor="ctr" wrap="none"/>
-            <a:lstStyle/>
-            <a:p>
-              <a:pPr algn="l" marL="0" marR="0" indent="0">
-                <a:lnSpc>
-                  <a:spcPts val="1138"/>
-                </a:lnSpc>
-                <a:spcBef>
-                  <a:spcPts val="0"/>
-                </a:spcBef>
-                <a:spcAft>
-                  <a:spcPts val="0"/>
-                </a:spcAft>
-              </a:pPr>
-              <a:r>
-                <a:rPr sz="1138">
-                  <a:solidFill>
-                    <a:srgbClr val="FFFFFF">
-                      <a:alpha val="100000"/>
-                    </a:srgbClr>
-                  </a:solidFill>
-                  <a:latin typeface="Arial"/>
-                  <a:cs typeface="Arial"/>
-                </a:rPr>
-                <a:t>21.7%</a:t>
-              </a:r>
-            </a:p>
-          </p:txBody>
-        </p:sp>
-        <p:sp>
-          <p:nvSpPr>
-            <p:cNvPr id="58" name="tx58"/>
-            <p:cNvSpPr/>
-            <p:nvPr/>
-          </p:nvSpPr>
-          <p:spPr>
-            <a:xfrm>
-              <a:off x="4371946" y="4550582"/>
-              <a:ext cx="409835" cy="109040"/>
-            </a:xfrm>
-            <a:prstGeom prst="rect">
-              <a:avLst/>
-            </a:prstGeom>
-            <a:noFill/>
-          </p:spPr>
-          <p:txBody>
-            <a:bodyPr lIns="0" rIns="0" tIns="0" bIns="0" anchorCtr="1" anchor="ctr" wrap="none"/>
-            <a:lstStyle/>
-            <a:p>
-              <a:pPr algn="l" marL="0" marR="0" indent="0">
-                <a:lnSpc>
-                  <a:spcPts val="1138"/>
-                </a:lnSpc>
-                <a:spcBef>
-                  <a:spcPts val="0"/>
-                </a:spcBef>
-                <a:spcAft>
-                  <a:spcPts val="0"/>
-                </a:spcAft>
-              </a:pPr>
-              <a:r>
-                <a:rPr sz="1138">
-                  <a:solidFill>
-                    <a:srgbClr val="FFFFFF">
-                      <a:alpha val="100000"/>
-                    </a:srgbClr>
-                  </a:solidFill>
-                  <a:latin typeface="Arial"/>
-                  <a:cs typeface="Arial"/>
-                </a:rPr>
-                <a:t>28.3%</a:t>
-              </a:r>
-            </a:p>
-          </p:txBody>
-        </p:sp>
-        <p:sp>
-          <p:nvSpPr>
-            <p:cNvPr id="59" name="tx59"/>
-            <p:cNvSpPr/>
-            <p:nvPr/>
-          </p:nvSpPr>
-          <p:spPr>
-            <a:xfrm>
-              <a:off x="4048609" y="3174932"/>
-              <a:ext cx="409835" cy="109040"/>
-            </a:xfrm>
-            <a:prstGeom prst="rect">
-              <a:avLst/>
-            </a:prstGeom>
-            <a:noFill/>
-          </p:spPr>
-          <p:txBody>
-            <a:bodyPr lIns="0" rIns="0" tIns="0" bIns="0" anchorCtr="1" anchor="ctr" wrap="none"/>
-            <a:lstStyle/>
-            <a:p>
-              <a:pPr algn="l" marL="0" marR="0" indent="0">
-                <a:lnSpc>
-                  <a:spcPts val="1138"/>
-                </a:lnSpc>
-                <a:spcBef>
-                  <a:spcPts val="0"/>
-                </a:spcBef>
-                <a:spcAft>
-                  <a:spcPts val="0"/>
-                </a:spcAft>
-              </a:pPr>
-              <a:r>
-                <a:rPr sz="1138">
-                  <a:solidFill>
-                    <a:srgbClr val="FFFFFF">
-                      <a:alpha val="100000"/>
-                    </a:srgbClr>
-                  </a:solidFill>
-                  <a:latin typeface="Arial"/>
-                  <a:cs typeface="Arial"/>
-                </a:rPr>
-                <a:t>28.8%</a:t>
-              </a:r>
-            </a:p>
-          </p:txBody>
-        </p:sp>
-        <p:sp>
-          <p:nvSpPr>
-            <p:cNvPr id="60" name="tx60"/>
-            <p:cNvSpPr/>
-            <p:nvPr/>
-          </p:nvSpPr>
-          <p:spPr>
-            <a:xfrm>
-              <a:off x="5322185" y="3021074"/>
-              <a:ext cx="409835" cy="109040"/>
-            </a:xfrm>
-            <a:prstGeom prst="rect">
-              <a:avLst/>
-            </a:prstGeom>
-            <a:noFill/>
-          </p:spPr>
-          <p:txBody>
-            <a:bodyPr lIns="0" rIns="0" tIns="0" bIns="0" anchorCtr="1" anchor="ctr" wrap="none"/>
-            <a:lstStyle/>
-            <a:p>
-              <a:pPr algn="l" marL="0" marR="0" indent="0">
-                <a:lnSpc>
-                  <a:spcPts val="1138"/>
-                </a:lnSpc>
-                <a:spcBef>
-                  <a:spcPts val="0"/>
-                </a:spcBef>
-                <a:spcAft>
-                  <a:spcPts val="0"/>
-                </a:spcAft>
-              </a:pPr>
-              <a:r>
-                <a:rPr sz="1138">
-                  <a:solidFill>
-                    <a:srgbClr val="FFFFFF">
-                      <a:alpha val="100000"/>
-                    </a:srgbClr>
-                  </a:solidFill>
-                  <a:latin typeface="Arial"/>
-                  <a:cs typeface="Arial"/>
-                </a:rPr>
-                <a:t>21.2%</a:t>
-              </a:r>
-            </a:p>
-          </p:txBody>
-        </p:sp>
-        <p:sp>
-          <p:nvSpPr>
-            <p:cNvPr id="61" name="tx61"/>
-            <p:cNvSpPr/>
-            <p:nvPr/>
-          </p:nvSpPr>
-          <p:spPr>
-            <a:xfrm>
-              <a:off x="5579381" y="4119665"/>
-              <a:ext cx="409835" cy="109040"/>
-            </a:xfrm>
-            <a:prstGeom prst="rect">
-              <a:avLst/>
-            </a:prstGeom>
-            <a:noFill/>
-          </p:spPr>
-          <p:txBody>
-            <a:bodyPr lIns="0" rIns="0" tIns="0" bIns="0" anchorCtr="1" anchor="ctr" wrap="none"/>
-            <a:lstStyle/>
-            <a:p>
-              <a:pPr algn="l" marL="0" marR="0" indent="0">
-                <a:lnSpc>
-                  <a:spcPts val="1138"/>
-                </a:lnSpc>
-                <a:spcBef>
-                  <a:spcPts val="0"/>
-                </a:spcBef>
-                <a:spcAft>
-                  <a:spcPts val="0"/>
-                </a:spcAft>
-              </a:pPr>
-              <a:r>
-                <a:rPr sz="1138">
-                  <a:solidFill>
-                    <a:srgbClr val="FFFFFF">
-                      <a:alpha val="100000"/>
-                    </a:srgbClr>
-                  </a:solidFill>
-                  <a:latin typeface="Arial"/>
-                  <a:cs typeface="Arial"/>
-                </a:rPr>
-                <a:t>21.7%</a:t>
-              </a:r>
-            </a:p>
-          </p:txBody>
-        </p:sp>
-        <p:sp>
-          <p:nvSpPr>
-            <p:cNvPr id="62" name="tx62"/>
-            <p:cNvSpPr/>
-            <p:nvPr/>
-          </p:nvSpPr>
-          <p:spPr>
-            <a:xfrm>
-              <a:off x="4375302" y="4548339"/>
-              <a:ext cx="409835" cy="109040"/>
-            </a:xfrm>
-            <a:prstGeom prst="rect">
-              <a:avLst/>
-            </a:prstGeom>
-            <a:noFill/>
-          </p:spPr>
-          <p:txBody>
-            <a:bodyPr lIns="0" rIns="0" tIns="0" bIns="0" anchorCtr="1" anchor="ctr" wrap="none"/>
-            <a:lstStyle/>
-            <a:p>
-              <a:pPr algn="l" marL="0" marR="0" indent="0">
-                <a:lnSpc>
-                  <a:spcPts val="1138"/>
-                </a:lnSpc>
-                <a:spcBef>
-                  <a:spcPts val="0"/>
-                </a:spcBef>
-                <a:spcAft>
-                  <a:spcPts val="0"/>
-                </a:spcAft>
-              </a:pPr>
-              <a:r>
-                <a:rPr sz="1138">
-                  <a:solidFill>
-                    <a:srgbClr val="FFFFFF">
-                      <a:alpha val="100000"/>
-                    </a:srgbClr>
-                  </a:solidFill>
-                  <a:latin typeface="Arial"/>
-                  <a:cs typeface="Arial"/>
-                </a:rPr>
-                <a:t>28.3%</a:t>
-              </a:r>
-            </a:p>
-          </p:txBody>
-        </p:sp>
-        <p:sp>
-          <p:nvSpPr>
-            <p:cNvPr id="63" name="tx63"/>
-            <p:cNvSpPr/>
-            <p:nvPr/>
-          </p:nvSpPr>
-          <p:spPr>
-            <a:xfrm>
-              <a:off x="4051965" y="3172689"/>
-              <a:ext cx="409835" cy="109040"/>
-            </a:xfrm>
-            <a:prstGeom prst="rect">
-              <a:avLst/>
-            </a:prstGeom>
-            <a:noFill/>
-          </p:spPr>
-          <p:txBody>
-            <a:bodyPr lIns="0" rIns="0" tIns="0" bIns="0" anchorCtr="1" anchor="ctr" wrap="none"/>
-            <a:lstStyle/>
-            <a:p>
-              <a:pPr algn="l" marL="0" marR="0" indent="0">
-                <a:lnSpc>
-                  <a:spcPts val="1138"/>
-                </a:lnSpc>
-                <a:spcBef>
-                  <a:spcPts val="0"/>
-                </a:spcBef>
-                <a:spcAft>
-                  <a:spcPts val="0"/>
-                </a:spcAft>
-              </a:pPr>
-              <a:r>
-                <a:rPr sz="1138">
-                  <a:solidFill>
-                    <a:srgbClr val="FFFFFF">
-                      <a:alpha val="100000"/>
-                    </a:srgbClr>
-                  </a:solidFill>
-                  <a:latin typeface="Arial"/>
-                  <a:cs typeface="Arial"/>
-                </a:rPr>
-                <a:t>28.8%</a:t>
-              </a:r>
-            </a:p>
-          </p:txBody>
-        </p:sp>
-        <p:sp>
-          <p:nvSpPr>
-            <p:cNvPr id="64" name="tx64"/>
-            <p:cNvSpPr/>
-            <p:nvPr/>
-          </p:nvSpPr>
-          <p:spPr>
-            <a:xfrm>
-              <a:off x="5324428" y="3017717"/>
-              <a:ext cx="409835" cy="109040"/>
-            </a:xfrm>
-            <a:prstGeom prst="rect">
-              <a:avLst/>
-            </a:prstGeom>
-            <a:noFill/>
-          </p:spPr>
-          <p:txBody>
-            <a:bodyPr lIns="0" rIns="0" tIns="0" bIns="0" anchorCtr="1" anchor="ctr" wrap="none"/>
-            <a:lstStyle/>
-            <a:p>
-              <a:pPr algn="l" marL="0" marR="0" indent="0">
-                <a:lnSpc>
-                  <a:spcPts val="1138"/>
-                </a:lnSpc>
-                <a:spcBef>
-                  <a:spcPts val="0"/>
-                </a:spcBef>
-                <a:spcAft>
-                  <a:spcPts val="0"/>
-                </a:spcAft>
-              </a:pPr>
-              <a:r>
-                <a:rPr sz="1138">
-                  <a:solidFill>
-                    <a:srgbClr val="FFFFFF">
-                      <a:alpha val="100000"/>
-                    </a:srgbClr>
-                  </a:solidFill>
-                  <a:latin typeface="Arial"/>
-                  <a:cs typeface="Arial"/>
-                </a:rPr>
-                <a:t>21.2%</a:t>
-              </a:r>
-            </a:p>
-          </p:txBody>
-        </p:sp>
-        <p:sp>
-          <p:nvSpPr>
-            <p:cNvPr id="65" name="tx65"/>
-            <p:cNvSpPr/>
-            <p:nvPr/>
-          </p:nvSpPr>
-          <p:spPr>
-            <a:xfrm>
-              <a:off x="5581624" y="4116309"/>
-              <a:ext cx="409835" cy="109040"/>
-            </a:xfrm>
-            <a:prstGeom prst="rect">
-              <a:avLst/>
-            </a:prstGeom>
-            <a:noFill/>
-          </p:spPr>
-          <p:txBody>
-            <a:bodyPr lIns="0" rIns="0" tIns="0" bIns="0" anchorCtr="1" anchor="ctr" wrap="none"/>
-            <a:lstStyle/>
-            <a:p>
-              <a:pPr algn="l" marL="0" marR="0" indent="0">
-                <a:lnSpc>
-                  <a:spcPts val="1138"/>
-                </a:lnSpc>
-                <a:spcBef>
-                  <a:spcPts val="0"/>
-                </a:spcBef>
-                <a:spcAft>
-                  <a:spcPts val="0"/>
-                </a:spcAft>
-              </a:pPr>
-              <a:r>
-                <a:rPr sz="1138">
-                  <a:solidFill>
-                    <a:srgbClr val="FFFFFF">
-                      <a:alpha val="100000"/>
-                    </a:srgbClr>
-                  </a:solidFill>
-                  <a:latin typeface="Arial"/>
-                  <a:cs typeface="Arial"/>
-                </a:rPr>
-                <a:t>21.7%</a:t>
-              </a:r>
-            </a:p>
-          </p:txBody>
-        </p:sp>
-        <p:sp>
-          <p:nvSpPr>
-            <p:cNvPr id="66" name="tx66"/>
-            <p:cNvSpPr/>
-            <p:nvPr/>
-          </p:nvSpPr>
-          <p:spPr>
-            <a:xfrm>
-              <a:off x="4377545" y="4544982"/>
-              <a:ext cx="409835" cy="109040"/>
-            </a:xfrm>
-            <a:prstGeom prst="rect">
-              <a:avLst/>
-            </a:prstGeom>
-            <a:noFill/>
-          </p:spPr>
-          <p:txBody>
-            <a:bodyPr lIns="0" rIns="0" tIns="0" bIns="0" anchorCtr="1" anchor="ctr" wrap="none"/>
-            <a:lstStyle/>
-            <a:p>
-              <a:pPr algn="l" marL="0" marR="0" indent="0">
-                <a:lnSpc>
-                  <a:spcPts val="1138"/>
-                </a:lnSpc>
-                <a:spcBef>
-                  <a:spcPts val="0"/>
-                </a:spcBef>
-                <a:spcAft>
-                  <a:spcPts val="0"/>
-                </a:spcAft>
-              </a:pPr>
-              <a:r>
-                <a:rPr sz="1138">
-                  <a:solidFill>
-                    <a:srgbClr val="FFFFFF">
-                      <a:alpha val="100000"/>
-                    </a:srgbClr>
-                  </a:solidFill>
-                  <a:latin typeface="Arial"/>
-                  <a:cs typeface="Arial"/>
-                </a:rPr>
-                <a:t>28.3%</a:t>
-              </a:r>
-            </a:p>
-          </p:txBody>
-        </p:sp>
-        <p:sp>
-          <p:nvSpPr>
-            <p:cNvPr id="67" name="tx67"/>
-            <p:cNvSpPr/>
-            <p:nvPr/>
-          </p:nvSpPr>
-          <p:spPr>
-            <a:xfrm>
-              <a:off x="4054208" y="3169333"/>
-              <a:ext cx="409835" cy="109040"/>
-            </a:xfrm>
-            <a:prstGeom prst="rect">
-              <a:avLst/>
-            </a:prstGeom>
-            <a:noFill/>
-          </p:spPr>
-          <p:txBody>
-            <a:bodyPr lIns="0" rIns="0" tIns="0" bIns="0" anchorCtr="1" anchor="ctr" wrap="none"/>
-            <a:lstStyle/>
-            <a:p>
-              <a:pPr algn="l" marL="0" marR="0" indent="0">
-                <a:lnSpc>
-                  <a:spcPts val="1138"/>
-                </a:lnSpc>
-                <a:spcBef>
-                  <a:spcPts val="0"/>
-                </a:spcBef>
-                <a:spcAft>
-                  <a:spcPts val="0"/>
-                </a:spcAft>
-              </a:pPr>
-              <a:r>
-                <a:rPr sz="1138">
-                  <a:solidFill>
-                    <a:srgbClr val="FFFFFF">
-                      <a:alpha val="100000"/>
-                    </a:srgbClr>
-                  </a:solidFill>
-                  <a:latin typeface="Arial"/>
-                  <a:cs typeface="Arial"/>
-                </a:rPr>
-                <a:t>28.8%</a:t>
-              </a:r>
-            </a:p>
-          </p:txBody>
-        </p:sp>
-        <p:sp>
-          <p:nvSpPr>
-            <p:cNvPr id="68" name="tx68"/>
-            <p:cNvSpPr/>
-            <p:nvPr/>
-          </p:nvSpPr>
-          <p:spPr>
-            <a:xfrm>
-              <a:off x="5325215" y="3013758"/>
-              <a:ext cx="409835" cy="109040"/>
-            </a:xfrm>
-            <a:prstGeom prst="rect">
-              <a:avLst/>
-            </a:prstGeom>
-            <a:noFill/>
-          </p:spPr>
-          <p:txBody>
-            <a:bodyPr lIns="0" rIns="0" tIns="0" bIns="0" anchorCtr="1" anchor="ctr" wrap="none"/>
-            <a:lstStyle/>
-            <a:p>
-              <a:pPr algn="l" marL="0" marR="0" indent="0">
-                <a:lnSpc>
-                  <a:spcPts val="1138"/>
-                </a:lnSpc>
-                <a:spcBef>
-                  <a:spcPts val="0"/>
-                </a:spcBef>
-                <a:spcAft>
-                  <a:spcPts val="0"/>
-                </a:spcAft>
-              </a:pPr>
-              <a:r>
-                <a:rPr sz="1138">
-                  <a:solidFill>
-                    <a:srgbClr val="FFFFFF">
-                      <a:alpha val="100000"/>
-                    </a:srgbClr>
-                  </a:solidFill>
-                  <a:latin typeface="Arial"/>
-                  <a:cs typeface="Arial"/>
-                </a:rPr>
-                <a:t>21.2%</a:t>
-              </a:r>
-            </a:p>
-          </p:txBody>
-        </p:sp>
-        <p:sp>
-          <p:nvSpPr>
-            <p:cNvPr id="69" name="tx69"/>
-            <p:cNvSpPr/>
-            <p:nvPr/>
-          </p:nvSpPr>
-          <p:spPr>
-            <a:xfrm>
-              <a:off x="5582412" y="4112349"/>
-              <a:ext cx="409835" cy="109040"/>
-            </a:xfrm>
-            <a:prstGeom prst="rect">
-              <a:avLst/>
-            </a:prstGeom>
-            <a:noFill/>
-          </p:spPr>
-          <p:txBody>
-            <a:bodyPr lIns="0" rIns="0" tIns="0" bIns="0" anchorCtr="1" anchor="ctr" wrap="none"/>
-            <a:lstStyle/>
-            <a:p>
-              <a:pPr algn="l" marL="0" marR="0" indent="0">
-                <a:lnSpc>
-                  <a:spcPts val="1138"/>
-                </a:lnSpc>
-                <a:spcBef>
-                  <a:spcPts val="0"/>
-                </a:spcBef>
-                <a:spcAft>
-                  <a:spcPts val="0"/>
-                </a:spcAft>
-              </a:pPr>
-              <a:r>
-                <a:rPr sz="1138">
-                  <a:solidFill>
-                    <a:srgbClr val="FFFFFF">
-                      <a:alpha val="100000"/>
-                    </a:srgbClr>
-                  </a:solidFill>
-                  <a:latin typeface="Arial"/>
-                  <a:cs typeface="Arial"/>
-                </a:rPr>
-                <a:t>21.7%</a:t>
-              </a:r>
-            </a:p>
-          </p:txBody>
-        </p:sp>
-        <p:sp>
-          <p:nvSpPr>
-            <p:cNvPr id="70" name="tx70"/>
-            <p:cNvSpPr/>
-            <p:nvPr/>
-          </p:nvSpPr>
-          <p:spPr>
-            <a:xfrm>
-              <a:off x="4378333" y="4541023"/>
-              <a:ext cx="409835" cy="109040"/>
-            </a:xfrm>
-            <a:prstGeom prst="rect">
-              <a:avLst/>
-            </a:prstGeom>
-            <a:noFill/>
-          </p:spPr>
-          <p:txBody>
-            <a:bodyPr lIns="0" rIns="0" tIns="0" bIns="0" anchorCtr="1" anchor="ctr" wrap="none"/>
-            <a:lstStyle/>
-            <a:p>
-              <a:pPr algn="l" marL="0" marR="0" indent="0">
-                <a:lnSpc>
-                  <a:spcPts val="1138"/>
-                </a:lnSpc>
-                <a:spcBef>
-                  <a:spcPts val="0"/>
-                </a:spcBef>
-                <a:spcAft>
-                  <a:spcPts val="0"/>
-                </a:spcAft>
-              </a:pPr>
-              <a:r>
-                <a:rPr sz="1138">
-                  <a:solidFill>
-                    <a:srgbClr val="FFFFFF">
-                      <a:alpha val="100000"/>
-                    </a:srgbClr>
-                  </a:solidFill>
-                  <a:latin typeface="Arial"/>
-                  <a:cs typeface="Arial"/>
-                </a:rPr>
-                <a:t>28.3%</a:t>
-              </a:r>
-            </a:p>
-          </p:txBody>
-        </p:sp>
-        <p:sp>
-          <p:nvSpPr>
-            <p:cNvPr id="71" name="tx71"/>
-            <p:cNvSpPr/>
-            <p:nvPr/>
-          </p:nvSpPr>
-          <p:spPr>
-            <a:xfrm>
-              <a:off x="4054996" y="3165373"/>
-              <a:ext cx="409835" cy="109040"/>
-            </a:xfrm>
-            <a:prstGeom prst="rect">
-              <a:avLst/>
-            </a:prstGeom>
-            <a:noFill/>
-          </p:spPr>
-          <p:txBody>
-            <a:bodyPr lIns="0" rIns="0" tIns="0" bIns="0" anchorCtr="1" anchor="ctr" wrap="none"/>
-            <a:lstStyle/>
-            <a:p>
-              <a:pPr algn="l" marL="0" marR="0" indent="0">
-                <a:lnSpc>
-                  <a:spcPts val="1138"/>
-                </a:lnSpc>
-                <a:spcBef>
-                  <a:spcPts val="0"/>
-                </a:spcBef>
-                <a:spcAft>
-                  <a:spcPts val="0"/>
-                </a:spcAft>
-              </a:pPr>
-              <a:r>
-                <a:rPr sz="1138">
-                  <a:solidFill>
-                    <a:srgbClr val="FFFFFF">
-                      <a:alpha val="100000"/>
-                    </a:srgbClr>
-                  </a:solidFill>
-                  <a:latin typeface="Arial"/>
-                  <a:cs typeface="Arial"/>
-                </a:rPr>
-                <a:t>28.8%</a:t>
-              </a:r>
-            </a:p>
-          </p:txBody>
-        </p:sp>
-        <p:sp>
-          <p:nvSpPr>
-            <p:cNvPr id="72" name="tx72"/>
-            <p:cNvSpPr/>
-            <p:nvPr/>
-          </p:nvSpPr>
-          <p:spPr>
-            <a:xfrm>
-              <a:off x="5314869" y="3013758"/>
-              <a:ext cx="409835" cy="109040"/>
-            </a:xfrm>
-            <a:prstGeom prst="rect">
-              <a:avLst/>
-            </a:prstGeom>
-            <a:noFill/>
-          </p:spPr>
-          <p:txBody>
-            <a:bodyPr lIns="0" rIns="0" tIns="0" bIns="0" anchorCtr="1" anchor="ctr" wrap="none"/>
-            <a:lstStyle/>
-            <a:p>
-              <a:pPr algn="l" marL="0" marR="0" indent="0">
-                <a:lnSpc>
-                  <a:spcPts val="1138"/>
-                </a:lnSpc>
-                <a:spcBef>
-                  <a:spcPts val="0"/>
-                </a:spcBef>
-                <a:spcAft>
-                  <a:spcPts val="0"/>
-                </a:spcAft>
-              </a:pPr>
-              <a:r>
-                <a:rPr sz="1138">
-                  <a:solidFill>
-                    <a:srgbClr val="C77CFF">
-                      <a:alpha val="100000"/>
-                    </a:srgbClr>
-                  </a:solidFill>
-                  <a:latin typeface="Arial"/>
-                  <a:cs typeface="Arial"/>
-                </a:rPr>
-                <a:t>21.2%</a:t>
-              </a:r>
-            </a:p>
-          </p:txBody>
-        </p:sp>
-        <p:sp>
-          <p:nvSpPr>
-            <p:cNvPr id="73" name="tx73"/>
-            <p:cNvSpPr/>
-            <p:nvPr/>
-          </p:nvSpPr>
-          <p:spPr>
-            <a:xfrm>
-              <a:off x="5572065" y="4112349"/>
-              <a:ext cx="409835" cy="109040"/>
-            </a:xfrm>
-            <a:prstGeom prst="rect">
-              <a:avLst/>
-            </a:prstGeom>
-            <a:noFill/>
-          </p:spPr>
-          <p:txBody>
-            <a:bodyPr lIns="0" rIns="0" tIns="0" bIns="0" anchorCtr="1" anchor="ctr" wrap="none"/>
-            <a:lstStyle/>
-            <a:p>
-              <a:pPr algn="l" marL="0" marR="0" indent="0">
-                <a:lnSpc>
-                  <a:spcPts val="1138"/>
-                </a:lnSpc>
-                <a:spcBef>
-                  <a:spcPts val="0"/>
-                </a:spcBef>
-                <a:spcAft>
-                  <a:spcPts val="0"/>
-                </a:spcAft>
-              </a:pPr>
-              <a:r>
-                <a:rPr sz="1138">
-                  <a:solidFill>
-                    <a:srgbClr val="00BFC4">
-                      <a:alpha val="100000"/>
-                    </a:srgbClr>
-                  </a:solidFill>
-                  <a:latin typeface="Arial"/>
-                  <a:cs typeface="Arial"/>
-                </a:rPr>
-                <a:t>21.7%</a:t>
-              </a:r>
-            </a:p>
-          </p:txBody>
-        </p:sp>
-        <p:sp>
-          <p:nvSpPr>
-            <p:cNvPr id="74" name="tx74"/>
-            <p:cNvSpPr/>
-            <p:nvPr/>
-          </p:nvSpPr>
-          <p:spPr>
-            <a:xfrm>
-              <a:off x="4367986" y="4541023"/>
-              <a:ext cx="409835" cy="109040"/>
-            </a:xfrm>
-            <a:prstGeom prst="rect">
-              <a:avLst/>
-            </a:prstGeom>
-            <a:noFill/>
-          </p:spPr>
-          <p:txBody>
-            <a:bodyPr lIns="0" rIns="0" tIns="0" bIns="0" anchorCtr="1" anchor="ctr" wrap="none"/>
-            <a:lstStyle/>
-            <a:p>
-              <a:pPr algn="l" marL="0" marR="0" indent="0">
-                <a:lnSpc>
-                  <a:spcPts val="1138"/>
-                </a:lnSpc>
-                <a:spcBef>
-                  <a:spcPts val="0"/>
-                </a:spcBef>
-                <a:spcAft>
-                  <a:spcPts val="0"/>
-                </a:spcAft>
-              </a:pPr>
-              <a:r>
-                <a:rPr sz="1138">
-                  <a:solidFill>
-                    <a:srgbClr val="7CAE00">
-                      <a:alpha val="100000"/>
-                    </a:srgbClr>
-                  </a:solidFill>
-                  <a:latin typeface="Arial"/>
-                  <a:cs typeface="Arial"/>
-                </a:rPr>
-                <a:t>28.3%</a:t>
-              </a:r>
-            </a:p>
-          </p:txBody>
-        </p:sp>
-        <p:sp>
-          <p:nvSpPr>
-            <p:cNvPr id="75" name="tx75"/>
-            <p:cNvSpPr/>
-            <p:nvPr/>
-          </p:nvSpPr>
-          <p:spPr>
-            <a:xfrm>
-              <a:off x="4044649" y="3165373"/>
-              <a:ext cx="409835" cy="109040"/>
-            </a:xfrm>
-            <a:prstGeom prst="rect">
-              <a:avLst/>
-            </a:prstGeom>
-            <a:noFill/>
-          </p:spPr>
-          <p:txBody>
-            <a:bodyPr lIns="0" rIns="0" tIns="0" bIns="0" anchorCtr="1" anchor="ctr" wrap="none"/>
-            <a:lstStyle/>
-            <a:p>
-              <a:pPr algn="l" marL="0" marR="0" indent="0">
-                <a:lnSpc>
-                  <a:spcPts val="1138"/>
-                </a:lnSpc>
-                <a:spcBef>
-                  <a:spcPts val="0"/>
-                </a:spcBef>
-                <a:spcAft>
-                  <a:spcPts val="0"/>
-                </a:spcAft>
-              </a:pPr>
-              <a:r>
-                <a:rPr sz="1138">
-                  <a:solidFill>
-                    <a:srgbClr val="F8766D">
-                      <a:alpha val="100000"/>
-                    </a:srgbClr>
-                  </a:solidFill>
-                  <a:latin typeface="Arial"/>
-                  <a:cs typeface="Arial"/>
-                </a:rPr>
-                <a:t>28.8%</a:t>
-              </a:r>
-            </a:p>
-          </p:txBody>
-        </p:sp>
-        <p:sp>
-          <p:nvSpPr>
-            <p:cNvPr id="76" name="rc76"/>
-            <p:cNvSpPr/>
-            <p:nvPr/>
-          </p:nvSpPr>
-          <p:spPr>
-            <a:xfrm>
-              <a:off x="7301815" y="3451826"/>
-              <a:ext cx="201456" cy="201456"/>
-            </a:xfrm>
-            <a:prstGeom prst="rect">
-              <a:avLst/>
-            </a:prstGeom>
-            <a:solidFill>
-              <a:srgbClr val="C77CFF">
-                <a:alpha val="100000"/>
-              </a:srgbClr>
-            </a:solidFill>
-            <a:ln w="13550" cap="sq">
-              <a:solidFill>
-                <a:srgbClr val="FFFFFF">
-                  <a:alpha val="100000"/>
-                </a:srgbClr>
-              </a:solidFill>
-              <a:prstDash val="solid"/>
-              <a:miter/>
-            </a:ln>
-          </p:spPr>
-          <p:txBody>
-            <a:bodyPr/>
-            <a:lstStyle/>
-            <a:p/>
-          </p:txBody>
-        </p:sp>
-        <p:sp>
-          <p:nvSpPr>
-            <p:cNvPr id="77" name="rc77"/>
-            <p:cNvSpPr/>
-            <p:nvPr/>
-          </p:nvSpPr>
-          <p:spPr>
-            <a:xfrm>
-              <a:off x="7301815" y="3671282"/>
-              <a:ext cx="201456" cy="201456"/>
-            </a:xfrm>
-            <a:prstGeom prst="rect">
-              <a:avLst/>
-            </a:prstGeom>
-            <a:solidFill>
-              <a:srgbClr val="00BFC4">
-                <a:alpha val="100000"/>
-              </a:srgbClr>
-            </a:solidFill>
-            <a:ln w="13550" cap="sq">
-              <a:solidFill>
-                <a:srgbClr val="FFFFFF">
-                  <a:alpha val="100000"/>
-                </a:srgbClr>
-              </a:solidFill>
-              <a:prstDash val="solid"/>
-              <a:miter/>
-            </a:ln>
-          </p:spPr>
-          <p:txBody>
-            <a:bodyPr/>
-            <a:lstStyle/>
-            <a:p/>
-          </p:txBody>
-        </p:sp>
-        <p:sp>
-          <p:nvSpPr>
-            <p:cNvPr id="78" name="rc78"/>
-            <p:cNvSpPr/>
-            <p:nvPr/>
-          </p:nvSpPr>
-          <p:spPr>
-            <a:xfrm>
-              <a:off x="7301815" y="3890738"/>
-              <a:ext cx="201456" cy="201456"/>
-            </a:xfrm>
-            <a:prstGeom prst="rect">
-              <a:avLst/>
-            </a:prstGeom>
-            <a:solidFill>
-              <a:srgbClr val="7CAE00">
-                <a:alpha val="100000"/>
-              </a:srgbClr>
-            </a:solidFill>
-            <a:ln w="13550" cap="sq">
-              <a:solidFill>
-                <a:srgbClr val="FFFFFF">
-                  <a:alpha val="100000"/>
-                </a:srgbClr>
-              </a:solidFill>
-              <a:prstDash val="solid"/>
-              <a:miter/>
-            </a:ln>
-          </p:spPr>
-          <p:txBody>
-            <a:bodyPr/>
-            <a:lstStyle/>
-            <a:p/>
-          </p:txBody>
-        </p:sp>
-        <p:sp>
-          <p:nvSpPr>
-            <p:cNvPr id="79" name="rc79"/>
-            <p:cNvSpPr/>
-            <p:nvPr/>
-          </p:nvSpPr>
-          <p:spPr>
-            <a:xfrm>
-              <a:off x="7301815" y="4110194"/>
-              <a:ext cx="201456" cy="201456"/>
-            </a:xfrm>
-            <a:prstGeom prst="rect">
-              <a:avLst/>
-            </a:prstGeom>
-            <a:solidFill>
-              <a:srgbClr val="F8766D">
-                <a:alpha val="100000"/>
-              </a:srgbClr>
-            </a:solidFill>
-            <a:ln w="13550" cap="sq">
-              <a:solidFill>
-                <a:srgbClr val="FFFFFF">
-                  <a:alpha val="100000"/>
-                </a:srgbClr>
-              </a:solidFill>
-              <a:prstDash val="solid"/>
-              <a:miter/>
-            </a:ln>
-          </p:spPr>
-          <p:txBody>
-            <a:bodyPr/>
-            <a:lstStyle/>
-            <a:p/>
-          </p:txBody>
-        </p:sp>
-        <p:sp>
-          <p:nvSpPr>
-            <p:cNvPr id="80" name="tx80"/>
-            <p:cNvSpPr/>
-            <p:nvPr/>
-          </p:nvSpPr>
-          <p:spPr>
-            <a:xfrm>
-              <a:off x="7581860" y="3510808"/>
-              <a:ext cx="369659" cy="81746"/>
+              <a:off x="1992471" y="5699866"/>
+              <a:ext cx="62155" cy="81691"/>
             </a:xfrm>
             <a:prstGeom prst="rect">
               <a:avLst/>
@@ -7859,28 +5268,28 @@
               <a:r>
                 <a:rPr sz="880">
                   <a:solidFill>
-                    <a:srgbClr val="000000">
+                    <a:srgbClr val="4D4D4D">
                       <a:alpha val="100000"/>
                     </a:srgbClr>
                   </a:solidFill>
                   <a:latin typeface="Arial"/>
                   <a:cs typeface="Arial"/>
                 </a:rPr>
-                <a:t>18-30岁</a:t>
+                <a:t>0</a:t>
               </a:r>
             </a:p>
           </p:txBody>
         </p:sp>
         <p:sp>
           <p:nvSpPr>
-            <p:cNvPr id="81" name="tx81"/>
+            <p:cNvPr id="57" name="tx57"/>
             <p:cNvSpPr/>
             <p:nvPr/>
           </p:nvSpPr>
           <p:spPr>
             <a:xfrm>
-              <a:off x="7581860" y="3730319"/>
-              <a:ext cx="375771" cy="81691"/>
+              <a:off x="3579460" y="5699866"/>
+              <a:ext cx="186466" cy="81691"/>
             </a:xfrm>
             <a:prstGeom prst="rect">
               <a:avLst/>
@@ -7905,28 +5314,28 @@
               <a:r>
                 <a:rPr sz="880">
                   <a:solidFill>
-                    <a:srgbClr val="000000">
+                    <a:srgbClr val="4D4D4D">
                       <a:alpha val="100000"/>
                     </a:srgbClr>
                   </a:solidFill>
                   <a:latin typeface="Arial"/>
                   <a:cs typeface="Arial"/>
                 </a:rPr>
-                <a:t>50岁以上</a:t>
+                <a:t>500</a:t>
               </a:r>
             </a:p>
           </p:txBody>
         </p:sp>
         <p:sp>
           <p:nvSpPr>
-            <p:cNvPr id="82" name="tx82"/>
+            <p:cNvPr id="58" name="tx58"/>
             <p:cNvSpPr/>
             <p:nvPr/>
           </p:nvSpPr>
           <p:spPr>
             <a:xfrm>
-              <a:off x="7581860" y="3949775"/>
-              <a:ext cx="369659" cy="81691"/>
+              <a:off x="5197526" y="5699866"/>
+              <a:ext cx="248622" cy="81691"/>
             </a:xfrm>
             <a:prstGeom prst="rect">
               <a:avLst/>
@@ -7951,28 +5360,28 @@
               <a:r>
                 <a:rPr sz="880">
                   <a:solidFill>
-                    <a:srgbClr val="000000">
+                    <a:srgbClr val="4D4D4D">
                       <a:alpha val="100000"/>
                     </a:srgbClr>
                   </a:solidFill>
                   <a:latin typeface="Arial"/>
                   <a:cs typeface="Arial"/>
                 </a:rPr>
-                <a:t>41-50岁</a:t>
+                <a:t>1000</a:t>
               </a:r>
             </a:p>
           </p:txBody>
         </p:sp>
         <p:sp>
           <p:nvSpPr>
-            <p:cNvPr id="83" name="tx83"/>
+            <p:cNvPr id="59" name="tx59"/>
             <p:cNvSpPr/>
             <p:nvPr/>
           </p:nvSpPr>
           <p:spPr>
             <a:xfrm>
-              <a:off x="7581860" y="4169176"/>
-              <a:ext cx="369659" cy="81746"/>
+              <a:off x="6846671" y="5699866"/>
+              <a:ext cx="248622" cy="81691"/>
             </a:xfrm>
             <a:prstGeom prst="rect">
               <a:avLst/>
@@ -7997,14 +5406,60 @@
               <a:r>
                 <a:rPr sz="880">
                   <a:solidFill>
-                    <a:srgbClr val="000000">
+                    <a:srgbClr val="4D4D4D">
                       <a:alpha val="100000"/>
                     </a:srgbClr>
                   </a:solidFill>
                   <a:latin typeface="Arial"/>
                   <a:cs typeface="Arial"/>
                 </a:rPr>
-                <a:t>31-40岁</a:t>
+                <a:t>1500</a:t>
+              </a:r>
+            </a:p>
+          </p:txBody>
+        </p:sp>
+        <p:sp>
+          <p:nvSpPr>
+            <p:cNvPr id="60" name="tx60"/>
+            <p:cNvSpPr/>
+            <p:nvPr/>
+          </p:nvSpPr>
+          <p:spPr>
+            <a:xfrm>
+              <a:off x="8495815" y="5699866"/>
+              <a:ext cx="248622" cy="81691"/>
+            </a:xfrm>
+            <a:prstGeom prst="rect">
+              <a:avLst/>
+            </a:prstGeom>
+            <a:noFill/>
+          </p:spPr>
+          <p:txBody>
+            <a:bodyPr lIns="0" rIns="0" tIns="0" bIns="0" anchorCtr="1" anchor="ctr" wrap="none"/>
+            <a:lstStyle/>
+            <a:p>
+              <a:pPr algn="l" marL="0" marR="0" indent="0">
+                <a:lnSpc>
+                  <a:spcPts val="880"/>
+                </a:lnSpc>
+                <a:spcBef>
+                  <a:spcPts val="0"/>
+                </a:spcBef>
+                <a:spcAft>
+                  <a:spcPts val="0"/>
+                </a:spcAft>
+              </a:pPr>
+              <a:r>
+                <a:rPr sz="880">
+                  <a:solidFill>
+                    <a:srgbClr val="4D4D4D">
+                      <a:alpha val="100000"/>
+                    </a:srgbClr>
+                  </a:solidFill>
+                  <a:latin typeface="Arial"/>
+                  <a:cs typeface="Arial"/>
+                </a:rPr>
+                <a:t>2000</a:t>
               </a:r>
             </a:p>
           </p:txBody>
